--- a/prentacje/Funkcjonalności strony.pptx
+++ b/prentacje/Funkcjonalności strony.pptx
@@ -7,7 +7,10 @@
   <p:sldIdLst>
     <p:sldId id="256" r:id="rId2"/>
     <p:sldId id="269" r:id="rId3"/>
-    <p:sldId id="270" r:id="rId4"/>
+    <p:sldId id="271" r:id="rId4"/>
+    <p:sldId id="272" r:id="rId5"/>
+    <p:sldId id="273" r:id="rId6"/>
+    <p:sldId id="270" r:id="rId7"/>
   </p:sldIdLst>
   <p:sldSz cx="12192000" cy="6858000"/>
   <p:notesSz cx="6858000" cy="9144000"/>
@@ -106,6 +109,11 @@
       </a:defRPr>
     </a:lvl9pPr>
   </p:defaultTextStyle>
+  <p:extLst>
+    <p:ext uri="{EFAFB233-063F-42B5-8137-9DF3F51BA10A}">
+      <p15:sldGuideLst xmlns:p15="http://schemas.microsoft.com/office/powerpoint/2012/main"/>
+    </p:ext>
+  </p:extLst>
 </p:presentation>
 </file>
 
@@ -225,6 +233,93 @@
 </inkml:ink>
 </file>
 
+<file path=ppt/ink/ink5.xml><?xml version="1.0" encoding="utf-8"?>
+<inkml:ink xmlns:inkml="http://www.w3.org/2003/InkML">
+  <inkml:definitions>
+    <inkml:context xml:id="ctx0">
+      <inkml:inkSource xml:id="inkSrc0">
+        <inkml:traceFormat>
+          <inkml:channel name="X" type="integer" min="-2.14748E9" max="2.14748E9" units="cm"/>
+          <inkml:channel name="Y" type="integer" min="-2.14748E9" max="2.14748E9" units="cm"/>
+        </inkml:traceFormat>
+        <inkml:channelProperties>
+          <inkml:channelProperty channel="X" name="resolution" value="1000" units="1/cm"/>
+          <inkml:channelProperty channel="Y" name="resolution" value="1000" units="1/cm"/>
+        </inkml:channelProperties>
+      </inkml:inkSource>
+      <inkml:timestamp xml:id="ts0" timeString="2023-12-04T11:03:17.829"/>
+    </inkml:context>
+    <inkml:brush xml:id="br0">
+      <inkml:brushProperty name="width" value="0.3" units="cm"/>
+      <inkml:brushProperty name="height" value="0.6" units="cm"/>
+      <inkml:brushProperty name="color" value="#FFFC00"/>
+      <inkml:brushProperty name="tip" value="rectangle"/>
+      <inkml:brushProperty name="rasterOp" value="maskPen"/>
+      <inkml:brushProperty name="ignorePressure" value="1"/>
+    </inkml:brush>
+  </inkml:definitions>
+  <inkml:trace contextRef="#ctx0" brushRef="#br0">1 113,'113'-16,"398"22,-135 5,-347-14,0 0,-1-2,1 0,42-16,-44 12,0 1,1 1,0 2,57-4,-53 9,1-2,50-9,-31 2,1 3,73-1,-64 5,-38 1,1 0,-1 2,43 6,-63-6,-1 0,0 0,1 0,-1 1,0 0,0-1,0 1,0 0,0 0,-1 1,1-1,-1 0,1 1,-1 0,0-1,0 1,0 0,0 0,2 6,3 6</inkml:trace>
+</inkml:ink>
+</file>
+
+<file path=ppt/ink/ink6.xml><?xml version="1.0" encoding="utf-8"?>
+<inkml:ink xmlns:inkml="http://www.w3.org/2003/InkML">
+  <inkml:definitions>
+    <inkml:context xml:id="ctx0">
+      <inkml:inkSource xml:id="inkSrc0">
+        <inkml:traceFormat>
+          <inkml:channel name="X" type="integer" min="-2.14748E9" max="2.14748E9" units="cm"/>
+          <inkml:channel name="Y" type="integer" min="-2.14748E9" max="2.14748E9" units="cm"/>
+        </inkml:traceFormat>
+        <inkml:channelProperties>
+          <inkml:channelProperty channel="X" name="resolution" value="1000" units="1/cm"/>
+          <inkml:channelProperty channel="Y" name="resolution" value="1000" units="1/cm"/>
+        </inkml:channelProperties>
+      </inkml:inkSource>
+      <inkml:timestamp xml:id="ts0" timeString="2023-12-04T11:18:07.990"/>
+    </inkml:context>
+    <inkml:brush xml:id="br0">
+      <inkml:brushProperty name="width" value="0.3" units="cm"/>
+      <inkml:brushProperty name="height" value="0.6" units="cm"/>
+      <inkml:brushProperty name="color" value="#FFFC00"/>
+      <inkml:brushProperty name="tip" value="rectangle"/>
+      <inkml:brushProperty name="rasterOp" value="maskPen"/>
+      <inkml:brushProperty name="ignorePressure" value="1"/>
+    </inkml:brush>
+  </inkml:definitions>
+  <inkml:trace contextRef="#ctx0" brushRef="#br0">1 1,'330'9,"15"1,-218-8,124-5,-197-6,22-1,392 25,159 41,-578-52,81-4,-60-1,-48 1</inkml:trace>
+</inkml:ink>
+</file>
+
+<file path=ppt/ink/ink7.xml><?xml version="1.0" encoding="utf-8"?>
+<inkml:ink xmlns:inkml="http://www.w3.org/2003/InkML">
+  <inkml:definitions>
+    <inkml:context xml:id="ctx0">
+      <inkml:inkSource xml:id="inkSrc0">
+        <inkml:traceFormat>
+          <inkml:channel name="X" type="integer" min="-2.14748E9" max="2.14748E9" units="cm"/>
+          <inkml:channel name="Y" type="integer" min="-2.14748E9" max="2.14748E9" units="cm"/>
+        </inkml:traceFormat>
+        <inkml:channelProperties>
+          <inkml:channelProperty channel="X" name="resolution" value="1000" units="1/cm"/>
+          <inkml:channelProperty channel="Y" name="resolution" value="1000" units="1/cm"/>
+        </inkml:channelProperties>
+      </inkml:inkSource>
+      <inkml:timestamp xml:id="ts0" timeString="2023-12-04T11:24:41.398"/>
+    </inkml:context>
+    <inkml:brush xml:id="br0">
+      <inkml:brushProperty name="width" value="0.3" units="cm"/>
+      <inkml:brushProperty name="height" value="0.6" units="cm"/>
+      <inkml:brushProperty name="color" value="#FFFC00"/>
+      <inkml:brushProperty name="tip" value="rectangle"/>
+      <inkml:brushProperty name="rasterOp" value="maskPen"/>
+      <inkml:brushProperty name="ignorePressure" value="1"/>
+    </inkml:brush>
+  </inkml:definitions>
+  <inkml:trace contextRef="#ctx0" brushRef="#br0">2070 88,'-61'-3,"-1"-4,1-2,-74-20,-10-3,102 27,0 2,-86 5,35 0,-147-4,-268 5,336 15,48-2,72-9,19-3,-47 1,69-5,0 1,0 0,-18 3,15 0</inkml:trace>
+</inkml:ink>
+</file>
+
 <file path=ppt/slideLayouts/slideLayout1.xml><?xml version="1.0" encoding="utf-8"?>
 <p:sldLayout xmlns:a="http://schemas.openxmlformats.org/drawingml/2006/main" xmlns:r="http://schemas.openxmlformats.org/officeDocument/2006/relationships" xmlns:p="http://schemas.openxmlformats.org/presentationml/2006/main" type="title" preserve="1">
   <p:cSld name="Slajd tytułowy">
@@ -372,7 +467,7 @@
           <a:p>
             <a:fld id="{C2199D4B-2497-4458-BFE4-E7FEEB22634C}" type="datetimeFigureOut">
               <a:rPr lang="pl-PL" smtClean="0"/>
-              <a:t>01.12.2023</a:t>
+              <a:t>04.12.2023</a:t>
             </a:fld>
             <a:endParaRPr lang="pl-PL"/>
           </a:p>
@@ -570,7 +665,7 @@
           <a:p>
             <a:fld id="{C2199D4B-2497-4458-BFE4-E7FEEB22634C}" type="datetimeFigureOut">
               <a:rPr lang="pl-PL" smtClean="0"/>
-              <a:t>01.12.2023</a:t>
+              <a:t>04.12.2023</a:t>
             </a:fld>
             <a:endParaRPr lang="pl-PL"/>
           </a:p>
@@ -778,7 +873,7 @@
           <a:p>
             <a:fld id="{C2199D4B-2497-4458-BFE4-E7FEEB22634C}" type="datetimeFigureOut">
               <a:rPr lang="pl-PL" smtClean="0"/>
-              <a:t>01.12.2023</a:t>
+              <a:t>04.12.2023</a:t>
             </a:fld>
             <a:endParaRPr lang="pl-PL"/>
           </a:p>
@@ -976,7 +1071,7 @@
           <a:p>
             <a:fld id="{C2199D4B-2497-4458-BFE4-E7FEEB22634C}" type="datetimeFigureOut">
               <a:rPr lang="pl-PL" smtClean="0"/>
-              <a:t>01.12.2023</a:t>
+              <a:t>04.12.2023</a:t>
             </a:fld>
             <a:endParaRPr lang="pl-PL"/>
           </a:p>
@@ -1251,7 +1346,7 @@
           <a:p>
             <a:fld id="{C2199D4B-2497-4458-BFE4-E7FEEB22634C}" type="datetimeFigureOut">
               <a:rPr lang="pl-PL" smtClean="0"/>
-              <a:t>01.12.2023</a:t>
+              <a:t>04.12.2023</a:t>
             </a:fld>
             <a:endParaRPr lang="pl-PL"/>
           </a:p>
@@ -1516,7 +1611,7 @@
           <a:p>
             <a:fld id="{C2199D4B-2497-4458-BFE4-E7FEEB22634C}" type="datetimeFigureOut">
               <a:rPr lang="pl-PL" smtClean="0"/>
-              <a:t>01.12.2023</a:t>
+              <a:t>04.12.2023</a:t>
             </a:fld>
             <a:endParaRPr lang="pl-PL"/>
           </a:p>
@@ -1928,7 +2023,7 @@
           <a:p>
             <a:fld id="{C2199D4B-2497-4458-BFE4-E7FEEB22634C}" type="datetimeFigureOut">
               <a:rPr lang="pl-PL" smtClean="0"/>
-              <a:t>01.12.2023</a:t>
+              <a:t>04.12.2023</a:t>
             </a:fld>
             <a:endParaRPr lang="pl-PL"/>
           </a:p>
@@ -2069,7 +2164,7 @@
           <a:p>
             <a:fld id="{C2199D4B-2497-4458-BFE4-E7FEEB22634C}" type="datetimeFigureOut">
               <a:rPr lang="pl-PL" smtClean="0"/>
-              <a:t>01.12.2023</a:t>
+              <a:t>04.12.2023</a:t>
             </a:fld>
             <a:endParaRPr lang="pl-PL"/>
           </a:p>
@@ -2182,7 +2277,7 @@
           <a:p>
             <a:fld id="{C2199D4B-2497-4458-BFE4-E7FEEB22634C}" type="datetimeFigureOut">
               <a:rPr lang="pl-PL" smtClean="0"/>
-              <a:t>01.12.2023</a:t>
+              <a:t>04.12.2023</a:t>
             </a:fld>
             <a:endParaRPr lang="pl-PL"/>
           </a:p>
@@ -2493,7 +2588,7 @@
           <a:p>
             <a:fld id="{C2199D4B-2497-4458-BFE4-E7FEEB22634C}" type="datetimeFigureOut">
               <a:rPr lang="pl-PL" smtClean="0"/>
-              <a:t>01.12.2023</a:t>
+              <a:t>04.12.2023</a:t>
             </a:fld>
             <a:endParaRPr lang="pl-PL"/>
           </a:p>
@@ -2781,7 +2876,7 @@
           <a:p>
             <a:fld id="{C2199D4B-2497-4458-BFE4-E7FEEB22634C}" type="datetimeFigureOut">
               <a:rPr lang="pl-PL" smtClean="0"/>
-              <a:t>01.12.2023</a:t>
+              <a:t>04.12.2023</a:t>
             </a:fld>
             <a:endParaRPr lang="pl-PL"/>
           </a:p>
@@ -3022,7 +3117,7 @@
           <a:p>
             <a:fld id="{C2199D4B-2497-4458-BFE4-E7FEEB22634C}" type="datetimeFigureOut">
               <a:rPr lang="pl-PL" smtClean="0"/>
-              <a:t>01.12.2023</a:t>
+              <a:t>04.12.2023</a:t>
             </a:fld>
             <a:endParaRPr lang="pl-PL"/>
           </a:p>
@@ -3837,6 +3932,606 @@
       </p:grpSpPr>
       <p:pic>
         <p:nvPicPr>
+          <p:cNvPr id="5" name="Obraz 4">
+            <a:extLst>
+              <a:ext uri="{FF2B5EF4-FFF2-40B4-BE49-F238E27FC236}">
+                <a16:creationId xmlns:a16="http://schemas.microsoft.com/office/drawing/2014/main" id="{FEC88772-75B0-8797-6EFF-0056E830CEFA}"/>
+              </a:ext>
+            </a:extLst>
+          </p:cNvPr>
+          <p:cNvPicPr>
+            <a:picLocks noChangeAspect="1"/>
+          </p:cNvPicPr>
+          <p:nvPr/>
+        </p:nvPicPr>
+        <p:blipFill>
+          <a:blip r:embed="rId2"/>
+          <a:stretch>
+            <a:fillRect/>
+          </a:stretch>
+        </p:blipFill>
+        <p:spPr>
+          <a:xfrm>
+            <a:off x="0" y="0"/>
+            <a:ext cx="12192000" cy="6842361"/>
+          </a:xfrm>
+          <a:prstGeom prst="rect">
+            <a:avLst/>
+          </a:prstGeom>
+        </p:spPr>
+      </p:pic>
+      <p:sp>
+        <p:nvSpPr>
+          <p:cNvPr id="2" name="Tytuł 1">
+            <a:extLst>
+              <a:ext uri="{FF2B5EF4-FFF2-40B4-BE49-F238E27FC236}">
+                <a16:creationId xmlns:a16="http://schemas.microsoft.com/office/drawing/2014/main" id="{9CBE7632-7BDD-7C0F-B3D6-37B3D8192881}"/>
+              </a:ext>
+            </a:extLst>
+          </p:cNvPr>
+          <p:cNvSpPr>
+            <a:spLocks noGrp="1"/>
+          </p:cNvSpPr>
+          <p:nvPr>
+            <p:ph type="title"/>
+          </p:nvPr>
+        </p:nvSpPr>
+        <p:spPr>
+          <a:xfrm>
+            <a:off x="7431505" y="736803"/>
+            <a:ext cx="10515600" cy="1325563"/>
+          </a:xfrm>
+        </p:spPr>
+        <p:txBody>
+          <a:bodyPr>
+            <a:normAutofit/>
+          </a:bodyPr>
+          <a:lstStyle/>
+          <a:p>
+            <a:r>
+              <a:rPr lang="pl-PL" sz="1800" dirty="0">
+                <a:solidFill>
+                  <a:srgbClr val="FF0000"/>
+                </a:solidFill>
+                <a:highlight>
+                  <a:srgbClr val="C0C0C0"/>
+                </a:highlight>
+              </a:rPr>
+              <a:t>Zakładka </a:t>
+            </a:r>
+            <a:r>
+              <a:rPr lang="pl-PL" sz="1800" dirty="0" err="1">
+                <a:solidFill>
+                  <a:srgbClr val="FF0000"/>
+                </a:solidFill>
+                <a:highlight>
+                  <a:srgbClr val="C0C0C0"/>
+                </a:highlight>
+              </a:rPr>
+              <a:t>job</a:t>
+            </a:r>
+            <a:r>
+              <a:rPr lang="pl-PL" sz="1800" dirty="0">
+                <a:solidFill>
+                  <a:srgbClr val="FF0000"/>
+                </a:solidFill>
+                <a:highlight>
+                  <a:srgbClr val="C0C0C0"/>
+                </a:highlight>
+              </a:rPr>
+              <a:t> </a:t>
+            </a:r>
+            <a:r>
+              <a:rPr lang="pl-PL" sz="1800" dirty="0" err="1">
+                <a:solidFill>
+                  <a:srgbClr val="FF0000"/>
+                </a:solidFill>
+                <a:highlight>
+                  <a:srgbClr val="C0C0C0"/>
+                </a:highlight>
+              </a:rPr>
+              <a:t>offers</a:t>
+            </a:r>
+            <a:r>
+              <a:rPr lang="pl-PL" sz="1800" dirty="0">
+                <a:solidFill>
+                  <a:srgbClr val="FF0000"/>
+                </a:solidFill>
+                <a:highlight>
+                  <a:srgbClr val="C0C0C0"/>
+                </a:highlight>
+              </a:rPr>
+              <a:t> wyświetla oferty pracy </a:t>
+            </a:r>
+          </a:p>
+        </p:txBody>
+      </p:sp>
+      <p:sp>
+        <p:nvSpPr>
+          <p:cNvPr id="3" name="Symbol zastępczy zawartości 2">
+            <a:extLst>
+              <a:ext uri="{FF2B5EF4-FFF2-40B4-BE49-F238E27FC236}">
+                <a16:creationId xmlns:a16="http://schemas.microsoft.com/office/drawing/2014/main" id="{BFE7BFC3-97F6-4409-2F98-28A6DCAF7D5B}"/>
+              </a:ext>
+            </a:extLst>
+          </p:cNvPr>
+          <p:cNvSpPr>
+            <a:spLocks noGrp="1"/>
+          </p:cNvSpPr>
+          <p:nvPr>
+            <p:ph idx="1"/>
+          </p:nvPr>
+        </p:nvSpPr>
+        <p:spPr/>
+        <p:txBody>
+          <a:bodyPr/>
+          <a:lstStyle/>
+          <a:p>
+            <a:endParaRPr lang="pl-PL" dirty="0"/>
+          </a:p>
+        </p:txBody>
+      </p:sp>
+      <mc:AlternateContent xmlns:mc="http://schemas.openxmlformats.org/markup-compatibility/2006">
+        <mc:Choice xmlns:p14="http://schemas.microsoft.com/office/powerpoint/2010/main" Requires="p14">
+          <p:contentPart p14:bwMode="auto" r:id="rId3">
+            <p14:nvContentPartPr>
+              <p14:cNvPr id="6" name="Pismo odręczne 5">
+                <a:extLst>
+                  <a:ext uri="{FF2B5EF4-FFF2-40B4-BE49-F238E27FC236}">
+                    <a16:creationId xmlns:a16="http://schemas.microsoft.com/office/drawing/2014/main" id="{A9959664-AF37-6643-F278-959EF08DF4A0}"/>
+                  </a:ext>
+                </a:extLst>
+              </p14:cNvPr>
+              <p14:cNvContentPartPr/>
+              <p14:nvPr/>
+            </p14:nvContentPartPr>
+            <p14:xfrm>
+              <a:off x="8725680" y="932503"/>
+              <a:ext cx="729720" cy="41040"/>
+            </p14:xfrm>
+          </p:contentPart>
+        </mc:Choice>
+        <mc:Fallback>
+          <p:pic>
+            <p:nvPicPr>
+              <p:cNvPr id="6" name="Pismo odręczne 5">
+                <a:extLst>
+                  <a:ext uri="{FF2B5EF4-FFF2-40B4-BE49-F238E27FC236}">
+                    <a16:creationId xmlns:a16="http://schemas.microsoft.com/office/drawing/2014/main" id="{A9959664-AF37-6643-F278-959EF08DF4A0}"/>
+                  </a:ext>
+                </a:extLst>
+              </p:cNvPr>
+              <p:cNvPicPr/>
+              <p:nvPr/>
+            </p:nvPicPr>
+            <p:blipFill>
+              <a:blip r:embed="rId4"/>
+              <a:stretch>
+                <a:fillRect/>
+              </a:stretch>
+            </p:blipFill>
+            <p:spPr>
+              <a:xfrm>
+                <a:off x="8672040" y="824503"/>
+                <a:ext cx="837360" cy="256680"/>
+              </a:xfrm>
+              <a:prstGeom prst="rect">
+                <a:avLst/>
+              </a:prstGeom>
+            </p:spPr>
+          </p:pic>
+        </mc:Fallback>
+      </mc:AlternateContent>
+    </p:spTree>
+    <p:extLst>
+      <p:ext uri="{BB962C8B-B14F-4D97-AF65-F5344CB8AC3E}">
+        <p14:creationId xmlns:p14="http://schemas.microsoft.com/office/powerpoint/2010/main" val="1987689044"/>
+      </p:ext>
+    </p:extLst>
+  </p:cSld>
+  <p:clrMapOvr>
+    <a:masterClrMapping/>
+  </p:clrMapOvr>
+</p:sld>
+</file>
+
+<file path=ppt/slides/slide4.xml><?xml version="1.0" encoding="utf-8"?>
+<p:sld xmlns:a="http://schemas.openxmlformats.org/drawingml/2006/main" xmlns:r="http://schemas.openxmlformats.org/officeDocument/2006/relationships" xmlns:p="http://schemas.openxmlformats.org/presentationml/2006/main">
+  <p:cSld>
+    <p:spTree>
+      <p:nvGrpSpPr>
+        <p:cNvPr id="1" name=""/>
+        <p:cNvGrpSpPr/>
+        <p:nvPr/>
+      </p:nvGrpSpPr>
+      <p:grpSpPr>
+        <a:xfrm>
+          <a:off x="0" y="0"/>
+          <a:ext cx="0" cy="0"/>
+          <a:chOff x="0" y="0"/>
+          <a:chExt cx="0" cy="0"/>
+        </a:xfrm>
+      </p:grpSpPr>
+      <p:pic>
+        <p:nvPicPr>
+          <p:cNvPr id="13" name="Obraz 12">
+            <a:extLst>
+              <a:ext uri="{FF2B5EF4-FFF2-40B4-BE49-F238E27FC236}">
+                <a16:creationId xmlns:a16="http://schemas.microsoft.com/office/drawing/2014/main" id="{6B2B1DD7-0C3A-7CAE-8318-2FFBEEB9464C}"/>
+              </a:ext>
+            </a:extLst>
+          </p:cNvPr>
+          <p:cNvPicPr>
+            <a:picLocks noChangeAspect="1"/>
+          </p:cNvPicPr>
+          <p:nvPr/>
+        </p:nvPicPr>
+        <p:blipFill>
+          <a:blip r:embed="rId2"/>
+          <a:stretch>
+            <a:fillRect/>
+          </a:stretch>
+        </p:blipFill>
+        <p:spPr>
+          <a:xfrm>
+            <a:off x="0" y="0"/>
+            <a:ext cx="12256872" cy="6858000"/>
+          </a:xfrm>
+          <a:prstGeom prst="rect">
+            <a:avLst/>
+          </a:prstGeom>
+        </p:spPr>
+      </p:pic>
+      <p:sp>
+        <p:nvSpPr>
+          <p:cNvPr id="2" name="Tytuł 1">
+            <a:extLst>
+              <a:ext uri="{FF2B5EF4-FFF2-40B4-BE49-F238E27FC236}">
+                <a16:creationId xmlns:a16="http://schemas.microsoft.com/office/drawing/2014/main" id="{5C78C9FC-5F1A-444E-1306-CC97A71CED59}"/>
+              </a:ext>
+            </a:extLst>
+          </p:cNvPr>
+          <p:cNvSpPr>
+            <a:spLocks noGrp="1"/>
+          </p:cNvSpPr>
+          <p:nvPr>
+            <p:ph type="title"/>
+          </p:nvPr>
+        </p:nvSpPr>
+        <p:spPr>
+          <a:xfrm>
+            <a:off x="7575885" y="681037"/>
+            <a:ext cx="10515600" cy="1325563"/>
+          </a:xfrm>
+        </p:spPr>
+        <p:txBody>
+          <a:bodyPr>
+            <a:normAutofit/>
+          </a:bodyPr>
+          <a:lstStyle/>
+          <a:p>
+            <a:r>
+              <a:rPr lang="pl-PL" sz="1800" dirty="0">
+                <a:solidFill>
+                  <a:srgbClr val="FF0000"/>
+                </a:solidFill>
+                <a:highlight>
+                  <a:srgbClr val="C0C0C0"/>
+                </a:highlight>
+              </a:rPr>
+              <a:t>Zakładka </a:t>
+            </a:r>
+            <a:r>
+              <a:rPr lang="pl-PL" sz="1800" dirty="0" err="1">
+                <a:solidFill>
+                  <a:srgbClr val="FF0000"/>
+                </a:solidFill>
+                <a:highlight>
+                  <a:srgbClr val="C0C0C0"/>
+                </a:highlight>
+              </a:rPr>
+              <a:t>certificates</a:t>
+            </a:r>
+            <a:r>
+              <a:rPr lang="pl-PL" sz="1800" dirty="0">
+                <a:solidFill>
+                  <a:srgbClr val="FF0000"/>
+                </a:solidFill>
+                <a:highlight>
+                  <a:srgbClr val="C0C0C0"/>
+                </a:highlight>
+              </a:rPr>
+              <a:t> wyświetla certyfikaty</a:t>
+            </a:r>
+          </a:p>
+        </p:txBody>
+      </p:sp>
+      <p:sp>
+        <p:nvSpPr>
+          <p:cNvPr id="7" name="Symbol zastępczy zawartości 6">
+            <a:extLst>
+              <a:ext uri="{FF2B5EF4-FFF2-40B4-BE49-F238E27FC236}">
+                <a16:creationId xmlns:a16="http://schemas.microsoft.com/office/drawing/2014/main" id="{D8EB1ED9-04F0-8B5E-DBF5-F9C25C506693}"/>
+              </a:ext>
+            </a:extLst>
+          </p:cNvPr>
+          <p:cNvSpPr>
+            <a:spLocks noGrp="1"/>
+          </p:cNvSpPr>
+          <p:nvPr>
+            <p:ph idx="1"/>
+          </p:nvPr>
+        </p:nvSpPr>
+        <p:spPr/>
+        <p:txBody>
+          <a:bodyPr/>
+          <a:lstStyle/>
+          <a:p>
+            <a:endParaRPr lang="pl-PL"/>
+          </a:p>
+        </p:txBody>
+      </p:sp>
+      <mc:AlternateContent xmlns:mc="http://schemas.openxmlformats.org/markup-compatibility/2006">
+        <mc:Choice xmlns:p14="http://schemas.microsoft.com/office/powerpoint/2010/main" Requires="p14">
+          <p:contentPart p14:bwMode="auto" r:id="rId3">
+            <p14:nvContentPartPr>
+              <p14:cNvPr id="14" name="Pismo odręczne 13">
+                <a:extLst>
+                  <a:ext uri="{FF2B5EF4-FFF2-40B4-BE49-F238E27FC236}">
+                    <a16:creationId xmlns:a16="http://schemas.microsoft.com/office/drawing/2014/main" id="{90AC3DA6-6FC3-AE08-7CA9-AD48D498538A}"/>
+                  </a:ext>
+                </a:extLst>
+              </p14:cNvPr>
+              <p14:cNvContentPartPr/>
+              <p14:nvPr/>
+            </p14:nvContentPartPr>
+            <p14:xfrm>
+              <a:off x="9751114" y="900823"/>
+              <a:ext cx="918000" cy="27360"/>
+            </p14:xfrm>
+          </p:contentPart>
+        </mc:Choice>
+        <mc:Fallback>
+          <p:pic>
+            <p:nvPicPr>
+              <p:cNvPr id="14" name="Pismo odręczne 13">
+                <a:extLst>
+                  <a:ext uri="{FF2B5EF4-FFF2-40B4-BE49-F238E27FC236}">
+                    <a16:creationId xmlns:a16="http://schemas.microsoft.com/office/drawing/2014/main" id="{90AC3DA6-6FC3-AE08-7CA9-AD48D498538A}"/>
+                  </a:ext>
+                </a:extLst>
+              </p:cNvPr>
+              <p:cNvPicPr/>
+              <p:nvPr/>
+            </p:nvPicPr>
+            <p:blipFill>
+              <a:blip r:embed="rId4"/>
+              <a:stretch>
+                <a:fillRect/>
+              </a:stretch>
+            </p:blipFill>
+            <p:spPr>
+              <a:xfrm>
+                <a:off x="9697474" y="792823"/>
+                <a:ext cx="1025640" cy="243000"/>
+              </a:xfrm>
+              <a:prstGeom prst="rect">
+                <a:avLst/>
+              </a:prstGeom>
+            </p:spPr>
+          </p:pic>
+        </mc:Fallback>
+      </mc:AlternateContent>
+    </p:spTree>
+    <p:extLst>
+      <p:ext uri="{BB962C8B-B14F-4D97-AF65-F5344CB8AC3E}">
+        <p14:creationId xmlns:p14="http://schemas.microsoft.com/office/powerpoint/2010/main" val="1919796486"/>
+      </p:ext>
+    </p:extLst>
+  </p:cSld>
+  <p:clrMapOvr>
+    <a:masterClrMapping/>
+  </p:clrMapOvr>
+</p:sld>
+</file>
+
+<file path=ppt/slides/slide5.xml><?xml version="1.0" encoding="utf-8"?>
+<p:sld xmlns:a="http://schemas.openxmlformats.org/drawingml/2006/main" xmlns:r="http://schemas.openxmlformats.org/officeDocument/2006/relationships" xmlns:p="http://schemas.openxmlformats.org/presentationml/2006/main">
+  <p:cSld>
+    <p:spTree>
+      <p:nvGrpSpPr>
+        <p:cNvPr id="1" name=""/>
+        <p:cNvGrpSpPr/>
+        <p:nvPr/>
+      </p:nvGrpSpPr>
+      <p:grpSpPr>
+        <a:xfrm>
+          <a:off x="0" y="0"/>
+          <a:ext cx="0" cy="0"/>
+          <a:chOff x="0" y="0"/>
+          <a:chExt cx="0" cy="0"/>
+        </a:xfrm>
+      </p:grpSpPr>
+      <p:pic>
+        <p:nvPicPr>
+          <p:cNvPr id="11" name="Obraz 10">
+            <a:extLst>
+              <a:ext uri="{FF2B5EF4-FFF2-40B4-BE49-F238E27FC236}">
+                <a16:creationId xmlns:a16="http://schemas.microsoft.com/office/drawing/2014/main" id="{255DEC0E-4353-188F-6A9F-93FB6AF63AE7}"/>
+              </a:ext>
+            </a:extLst>
+          </p:cNvPr>
+          <p:cNvPicPr>
+            <a:picLocks noChangeAspect="1"/>
+          </p:cNvPicPr>
+          <p:nvPr/>
+        </p:nvPicPr>
+        <p:blipFill>
+          <a:blip r:embed="rId2"/>
+          <a:stretch>
+            <a:fillRect/>
+          </a:stretch>
+        </p:blipFill>
+        <p:spPr>
+          <a:xfrm>
+            <a:off x="1" y="0"/>
+            <a:ext cx="12191999" cy="6858000"/>
+          </a:xfrm>
+          <a:prstGeom prst="rect">
+            <a:avLst/>
+          </a:prstGeom>
+        </p:spPr>
+      </p:pic>
+      <p:sp>
+        <p:nvSpPr>
+          <p:cNvPr id="2" name="Tytuł 1">
+            <a:extLst>
+              <a:ext uri="{FF2B5EF4-FFF2-40B4-BE49-F238E27FC236}">
+                <a16:creationId xmlns:a16="http://schemas.microsoft.com/office/drawing/2014/main" id="{DD43EB04-250B-0248-0585-CF052899998F}"/>
+              </a:ext>
+            </a:extLst>
+          </p:cNvPr>
+          <p:cNvSpPr>
+            <a:spLocks noGrp="1"/>
+          </p:cNvSpPr>
+          <p:nvPr>
+            <p:ph type="title"/>
+          </p:nvPr>
+        </p:nvSpPr>
+        <p:spPr>
+          <a:xfrm>
+            <a:off x="2275973" y="617788"/>
+            <a:ext cx="10515600" cy="1325563"/>
+          </a:xfrm>
+        </p:spPr>
+        <p:txBody>
+          <a:bodyPr>
+            <a:normAutofit/>
+          </a:bodyPr>
+          <a:lstStyle/>
+          <a:p>
+            <a:r>
+              <a:rPr lang="pl-PL" sz="1800" dirty="0">
+                <a:solidFill>
+                  <a:srgbClr val="FF0000"/>
+                </a:solidFill>
+                <a:highlight>
+                  <a:srgbClr val="C0C0C0"/>
+                </a:highlight>
+              </a:rPr>
+              <a:t>Zakładka Contacts pozwala wysłać formularz oraz zawiera informacje pozwalające skontaktować się z firmą </a:t>
+            </a:r>
+          </a:p>
+        </p:txBody>
+      </p:sp>
+      <p:sp>
+        <p:nvSpPr>
+          <p:cNvPr id="3" name="Symbol zastępczy zawartości 2">
+            <a:extLst>
+              <a:ext uri="{FF2B5EF4-FFF2-40B4-BE49-F238E27FC236}">
+                <a16:creationId xmlns:a16="http://schemas.microsoft.com/office/drawing/2014/main" id="{A2FB51A6-EAFB-D1FF-4D69-E7D57B8295F5}"/>
+              </a:ext>
+            </a:extLst>
+          </p:cNvPr>
+          <p:cNvSpPr>
+            <a:spLocks noGrp="1"/>
+          </p:cNvSpPr>
+          <p:nvPr>
+            <p:ph idx="1"/>
+          </p:nvPr>
+        </p:nvSpPr>
+        <p:spPr/>
+        <p:txBody>
+          <a:bodyPr/>
+          <a:lstStyle/>
+          <a:p>
+            <a:endParaRPr lang="pl-PL" dirty="0"/>
+          </a:p>
+        </p:txBody>
+      </p:sp>
+      <mc:AlternateContent xmlns:mc="http://schemas.openxmlformats.org/markup-compatibility/2006">
+        <mc:Choice xmlns:p14="http://schemas.microsoft.com/office/powerpoint/2010/main" Requires="p14">
+          <p:contentPart p14:bwMode="auto" r:id="rId3">
+            <p14:nvContentPartPr>
+              <p14:cNvPr id="12" name="Pismo odręczne 11">
+                <a:extLst>
+                  <a:ext uri="{FF2B5EF4-FFF2-40B4-BE49-F238E27FC236}">
+                    <a16:creationId xmlns:a16="http://schemas.microsoft.com/office/drawing/2014/main" id="{6CBCDB60-FA3E-7D68-55A6-CC716714C68C}"/>
+                  </a:ext>
+                </a:extLst>
+              </p14:cNvPr>
+              <p14:cNvContentPartPr/>
+              <p14:nvPr/>
+            </p14:nvContentPartPr>
+            <p14:xfrm>
+              <a:off x="10937245" y="846597"/>
+              <a:ext cx="745560" cy="32040"/>
+            </p14:xfrm>
+          </p:contentPart>
+        </mc:Choice>
+        <mc:Fallback>
+          <p:pic>
+            <p:nvPicPr>
+              <p:cNvPr id="12" name="Pismo odręczne 11">
+                <a:extLst>
+                  <a:ext uri="{FF2B5EF4-FFF2-40B4-BE49-F238E27FC236}">
+                    <a16:creationId xmlns:a16="http://schemas.microsoft.com/office/drawing/2014/main" id="{6CBCDB60-FA3E-7D68-55A6-CC716714C68C}"/>
+                  </a:ext>
+                </a:extLst>
+              </p:cNvPr>
+              <p:cNvPicPr/>
+              <p:nvPr/>
+            </p:nvPicPr>
+            <p:blipFill>
+              <a:blip r:embed="rId4"/>
+              <a:stretch>
+                <a:fillRect/>
+              </a:stretch>
+            </p:blipFill>
+            <p:spPr>
+              <a:xfrm>
+                <a:off x="10883245" y="738597"/>
+                <a:ext cx="853200" cy="247680"/>
+              </a:xfrm>
+              <a:prstGeom prst="rect">
+                <a:avLst/>
+              </a:prstGeom>
+            </p:spPr>
+          </p:pic>
+        </mc:Fallback>
+      </mc:AlternateContent>
+    </p:spTree>
+    <p:extLst>
+      <p:ext uri="{BB962C8B-B14F-4D97-AF65-F5344CB8AC3E}">
+        <p14:creationId xmlns:p14="http://schemas.microsoft.com/office/powerpoint/2010/main" val="2952444035"/>
+      </p:ext>
+    </p:extLst>
+  </p:cSld>
+  <p:clrMapOvr>
+    <a:masterClrMapping/>
+  </p:clrMapOvr>
+</p:sld>
+</file>
+
+<file path=ppt/slides/slide6.xml><?xml version="1.0" encoding="utf-8"?>
+<p:sld xmlns:a="http://schemas.openxmlformats.org/drawingml/2006/main" xmlns:r="http://schemas.openxmlformats.org/officeDocument/2006/relationships" xmlns:p="http://schemas.openxmlformats.org/presentationml/2006/main">
+  <p:cSld>
+    <p:spTree>
+      <p:nvGrpSpPr>
+        <p:cNvPr id="1" name=""/>
+        <p:cNvGrpSpPr/>
+        <p:nvPr/>
+      </p:nvGrpSpPr>
+      <p:grpSpPr>
+        <a:xfrm>
+          <a:off x="0" y="0"/>
+          <a:ext cx="0" cy="0"/>
+          <a:chOff x="0" y="0"/>
+          <a:chExt cx="0" cy="0"/>
+        </a:xfrm>
+      </p:grpSpPr>
+      <p:pic>
+        <p:nvPicPr>
           <p:cNvPr id="5" name="Symbol zastępczy zawartości 4">
             <a:extLst>
               <a:ext uri="{FF2B5EF4-FFF2-40B4-BE49-F238E27FC236}">
@@ -3901,29 +4596,7 @@
                   <a:srgbClr val="C0C0C0"/>
                 </a:highlight>
               </a:rPr>
-              <a:t>By dodać certyfikaty i oferty pracy edytujemy pliki JSON z odpowiednimi nazwani UWAGA </a:t>
-            </a:r>
-            <a:r>
-              <a:rPr lang="pl-PL" sz="1800" dirty="0" err="1">
-                <a:solidFill>
-                  <a:srgbClr val="FF0000"/>
-                </a:solidFill>
-                <a:highlight>
-                  <a:srgbClr val="C0C0C0"/>
-                </a:highlight>
-              </a:rPr>
-              <a:t>wszytkie</a:t>
-            </a:r>
-            <a:r>
-              <a:rPr lang="pl-PL" sz="1800" dirty="0">
-                <a:solidFill>
-                  <a:srgbClr val="FF0000"/>
-                </a:solidFill>
-                <a:highlight>
-                  <a:srgbClr val="C0C0C0"/>
-                </a:highlight>
-              </a:rPr>
-              <a:t> obiekty w tablicy muszą mieć zachowany schemat </a:t>
+              <a:t>By dodać certyfikaty i oferty pracy edytujemy pliki JSON z odpowiednimi nazwani UWAGA wszystkie obiekty w tablicy muszą mieć zachowany schemat </a:t>
             </a:r>
           </a:p>
         </p:txBody>

--- a/prentacje/Funkcjonalności strony.pptx
+++ b/prentacje/Funkcjonalności strony.pptx
@@ -11,6 +11,11 @@
     <p:sldId id="272" r:id="rId5"/>
     <p:sldId id="273" r:id="rId6"/>
     <p:sldId id="270" r:id="rId7"/>
+    <p:sldId id="274" r:id="rId8"/>
+    <p:sldId id="275" r:id="rId9"/>
+    <p:sldId id="276" r:id="rId10"/>
+    <p:sldId id="277" r:id="rId11"/>
+    <p:sldId id="278" r:id="rId12"/>
   </p:sldIdLst>
   <p:sldSz cx="12192000" cy="6858000"/>
   <p:notesSz cx="6858000" cy="9144000"/>
@@ -115,209 +120,6 @@
     </p:ext>
   </p:extLst>
 </p:presentation>
-</file>
-
-<file path=ppt/ink/ink1.xml><?xml version="1.0" encoding="utf-8"?>
-<inkml:ink xmlns:inkml="http://www.w3.org/2003/InkML">
-  <inkml:definitions>
-    <inkml:context xml:id="ctx0">
-      <inkml:inkSource xml:id="inkSrc0">
-        <inkml:traceFormat>
-          <inkml:channel name="X" type="integer" min="-2.14748E9" max="2.14748E9" units="cm"/>
-          <inkml:channel name="Y" type="integer" min="-2.14748E9" max="2.14748E9" units="cm"/>
-        </inkml:traceFormat>
-        <inkml:channelProperties>
-          <inkml:channelProperty channel="X" name="resolution" value="1000" units="1/cm"/>
-          <inkml:channelProperty channel="Y" name="resolution" value="1000" units="1/cm"/>
-        </inkml:channelProperties>
-      </inkml:inkSource>
-      <inkml:timestamp xml:id="ts0" timeString="2023-12-01T13:27:40.544"/>
-    </inkml:context>
-    <inkml:brush xml:id="br0">
-      <inkml:brushProperty name="width" value="0.3" units="cm"/>
-      <inkml:brushProperty name="height" value="0.6" units="cm"/>
-      <inkml:brushProperty name="color" value="#FFFC00"/>
-      <inkml:brushProperty name="tip" value="rectangle"/>
-      <inkml:brushProperty name="rasterOp" value="maskPen"/>
-      <inkml:brushProperty name="ignorePressure" value="1"/>
-    </inkml:brush>
-  </inkml:definitions>
-  <inkml:trace contextRef="#ctx0" brushRef="#br0">1 1,'242'17,"-28"-20,141 6,9 31,-266-17,-57-8,-23-6</inkml:trace>
-</inkml:ink>
-</file>
-
-<file path=ppt/ink/ink2.xml><?xml version="1.0" encoding="utf-8"?>
-<inkml:ink xmlns:inkml="http://www.w3.org/2003/InkML">
-  <inkml:definitions>
-    <inkml:context xml:id="ctx0">
-      <inkml:inkSource xml:id="inkSrc0">
-        <inkml:traceFormat>
-          <inkml:channel name="X" type="integer" min="-2.14748E9" max="2.14748E9" units="cm"/>
-          <inkml:channel name="Y" type="integer" min="-2.14748E9" max="2.14748E9" units="cm"/>
-        </inkml:traceFormat>
-        <inkml:channelProperties>
-          <inkml:channelProperty channel="X" name="resolution" value="1000" units="1/cm"/>
-          <inkml:channelProperty channel="Y" name="resolution" value="1000" units="1/cm"/>
-        </inkml:channelProperties>
-      </inkml:inkSource>
-      <inkml:timestamp xml:id="ts0" timeString="2023-12-01T13:27:42.119"/>
-    </inkml:context>
-    <inkml:brush xml:id="br0">
-      <inkml:brushProperty name="width" value="0.3" units="cm"/>
-      <inkml:brushProperty name="height" value="0.6" units="cm"/>
-      <inkml:brushProperty name="color" value="#FFFC00"/>
-      <inkml:brushProperty name="tip" value="rectangle"/>
-      <inkml:brushProperty name="rasterOp" value="maskPen"/>
-      <inkml:brushProperty name="ignorePressure" value="1"/>
-    </inkml:brush>
-  </inkml:definitions>
-  <inkml:trace contextRef="#ctx0" brushRef="#br0">0 0,'750'14,"-471"-9,310 17,-511-15,526 31,-666-38,-10 1,-85-11,135 7</inkml:trace>
-</inkml:ink>
-</file>
-
-<file path=ppt/ink/ink3.xml><?xml version="1.0" encoding="utf-8"?>
-<inkml:ink xmlns:inkml="http://www.w3.org/2003/InkML">
-  <inkml:definitions>
-    <inkml:context xml:id="ctx0">
-      <inkml:inkSource xml:id="inkSrc0">
-        <inkml:traceFormat>
-          <inkml:channel name="X" type="integer" min="-2.14748E9" max="2.14748E9" units="cm"/>
-          <inkml:channel name="Y" type="integer" min="-2.14748E9" max="2.14748E9" units="cm"/>
-        </inkml:traceFormat>
-        <inkml:channelProperties>
-          <inkml:channelProperty channel="X" name="resolution" value="1000" units="1/cm"/>
-          <inkml:channelProperty channel="Y" name="resolution" value="1000" units="1/cm"/>
-        </inkml:channelProperties>
-      </inkml:inkSource>
-      <inkml:timestamp xml:id="ts0" timeString="2023-12-01T13:27:43.662"/>
-    </inkml:context>
-    <inkml:brush xml:id="br0">
-      <inkml:brushProperty name="width" value="0.3" units="cm"/>
-      <inkml:brushProperty name="height" value="0.6" units="cm"/>
-      <inkml:brushProperty name="color" value="#FFFC00"/>
-      <inkml:brushProperty name="tip" value="rectangle"/>
-      <inkml:brushProperty name="rasterOp" value="maskPen"/>
-      <inkml:brushProperty name="ignorePressure" value="1"/>
-    </inkml:brush>
-  </inkml:definitions>
-  <inkml:trace contextRef="#ctx0" brushRef="#br0">0 0,'250'16,"597"2,-832-17,-1 1,1 0,-1 1,1 1,25 10,12 3,1-4,1-3,1-2,-1-2,74-3,154-3,-267 0</inkml:trace>
-</inkml:ink>
-</file>
-
-<file path=ppt/ink/ink4.xml><?xml version="1.0" encoding="utf-8"?>
-<inkml:ink xmlns:inkml="http://www.w3.org/2003/InkML">
-  <inkml:definitions>
-    <inkml:context xml:id="ctx0">
-      <inkml:inkSource xml:id="inkSrc0">
-        <inkml:traceFormat>
-          <inkml:channel name="X" type="integer" min="-2.14748E9" max="2.14748E9" units="cm"/>
-          <inkml:channel name="Y" type="integer" min="-2.14748E9" max="2.14748E9" units="cm"/>
-        </inkml:traceFormat>
-        <inkml:channelProperties>
-          <inkml:channelProperty channel="X" name="resolution" value="1000" units="1/cm"/>
-          <inkml:channelProperty channel="Y" name="resolution" value="1000" units="1/cm"/>
-        </inkml:channelProperties>
-      </inkml:inkSource>
-      <inkml:timestamp xml:id="ts0" timeString="2023-12-01T13:27:44.892"/>
-    </inkml:context>
-    <inkml:brush xml:id="br0">
-      <inkml:brushProperty name="width" value="0.3" units="cm"/>
-      <inkml:brushProperty name="height" value="0.6" units="cm"/>
-      <inkml:brushProperty name="color" value="#FFFC00"/>
-      <inkml:brushProperty name="tip" value="rectangle"/>
-      <inkml:brushProperty name="rasterOp" value="maskPen"/>
-      <inkml:brushProperty name="ignorePressure" value="1"/>
-    </inkml:brush>
-  </inkml:definitions>
-  <inkml:trace contextRef="#ctx0" brushRef="#br0">0 0,'1'1,"-1"0,1 0,-1 0,1 0,0-1,-1 1,1 0,0 0,0-1,0 1,-1 0,1-1,0 1,0-1,0 0,0 1,0-1,0 0,0 1,0-1,0 0,1 0,28 7,-26-7,90 11,1-4,144-8,25 1,-179 5,147 3,-183-9,1-2,82-17,-90 14,0 3,0 1,0 1,0 3,75 12,-101-12</inkml:trace>
-</inkml:ink>
-</file>
-
-<file path=ppt/ink/ink5.xml><?xml version="1.0" encoding="utf-8"?>
-<inkml:ink xmlns:inkml="http://www.w3.org/2003/InkML">
-  <inkml:definitions>
-    <inkml:context xml:id="ctx0">
-      <inkml:inkSource xml:id="inkSrc0">
-        <inkml:traceFormat>
-          <inkml:channel name="X" type="integer" min="-2.14748E9" max="2.14748E9" units="cm"/>
-          <inkml:channel name="Y" type="integer" min="-2.14748E9" max="2.14748E9" units="cm"/>
-        </inkml:traceFormat>
-        <inkml:channelProperties>
-          <inkml:channelProperty channel="X" name="resolution" value="1000" units="1/cm"/>
-          <inkml:channelProperty channel="Y" name="resolution" value="1000" units="1/cm"/>
-        </inkml:channelProperties>
-      </inkml:inkSource>
-      <inkml:timestamp xml:id="ts0" timeString="2023-12-04T11:03:17.829"/>
-    </inkml:context>
-    <inkml:brush xml:id="br0">
-      <inkml:brushProperty name="width" value="0.3" units="cm"/>
-      <inkml:brushProperty name="height" value="0.6" units="cm"/>
-      <inkml:brushProperty name="color" value="#FFFC00"/>
-      <inkml:brushProperty name="tip" value="rectangle"/>
-      <inkml:brushProperty name="rasterOp" value="maskPen"/>
-      <inkml:brushProperty name="ignorePressure" value="1"/>
-    </inkml:brush>
-  </inkml:definitions>
-  <inkml:trace contextRef="#ctx0" brushRef="#br0">1 113,'113'-16,"398"22,-135 5,-347-14,0 0,-1-2,1 0,42-16,-44 12,0 1,1 1,0 2,57-4,-53 9,1-2,50-9,-31 2,1 3,73-1,-64 5,-38 1,1 0,-1 2,43 6,-63-6,-1 0,0 0,1 0,-1 1,0 0,0-1,0 1,0 0,0 0,-1 1,1-1,-1 0,1 1,-1 0,0-1,0 1,0 0,0 0,2 6,3 6</inkml:trace>
-</inkml:ink>
-</file>
-
-<file path=ppt/ink/ink6.xml><?xml version="1.0" encoding="utf-8"?>
-<inkml:ink xmlns:inkml="http://www.w3.org/2003/InkML">
-  <inkml:definitions>
-    <inkml:context xml:id="ctx0">
-      <inkml:inkSource xml:id="inkSrc0">
-        <inkml:traceFormat>
-          <inkml:channel name="X" type="integer" min="-2.14748E9" max="2.14748E9" units="cm"/>
-          <inkml:channel name="Y" type="integer" min="-2.14748E9" max="2.14748E9" units="cm"/>
-        </inkml:traceFormat>
-        <inkml:channelProperties>
-          <inkml:channelProperty channel="X" name="resolution" value="1000" units="1/cm"/>
-          <inkml:channelProperty channel="Y" name="resolution" value="1000" units="1/cm"/>
-        </inkml:channelProperties>
-      </inkml:inkSource>
-      <inkml:timestamp xml:id="ts0" timeString="2023-12-04T11:18:07.990"/>
-    </inkml:context>
-    <inkml:brush xml:id="br0">
-      <inkml:brushProperty name="width" value="0.3" units="cm"/>
-      <inkml:brushProperty name="height" value="0.6" units="cm"/>
-      <inkml:brushProperty name="color" value="#FFFC00"/>
-      <inkml:brushProperty name="tip" value="rectangle"/>
-      <inkml:brushProperty name="rasterOp" value="maskPen"/>
-      <inkml:brushProperty name="ignorePressure" value="1"/>
-    </inkml:brush>
-  </inkml:definitions>
-  <inkml:trace contextRef="#ctx0" brushRef="#br0">1 1,'330'9,"15"1,-218-8,124-5,-197-6,22-1,392 25,159 41,-578-52,81-4,-60-1,-48 1</inkml:trace>
-</inkml:ink>
-</file>
-
-<file path=ppt/ink/ink7.xml><?xml version="1.0" encoding="utf-8"?>
-<inkml:ink xmlns:inkml="http://www.w3.org/2003/InkML">
-  <inkml:definitions>
-    <inkml:context xml:id="ctx0">
-      <inkml:inkSource xml:id="inkSrc0">
-        <inkml:traceFormat>
-          <inkml:channel name="X" type="integer" min="-2.14748E9" max="2.14748E9" units="cm"/>
-          <inkml:channel name="Y" type="integer" min="-2.14748E9" max="2.14748E9" units="cm"/>
-        </inkml:traceFormat>
-        <inkml:channelProperties>
-          <inkml:channelProperty channel="X" name="resolution" value="1000" units="1/cm"/>
-          <inkml:channelProperty channel="Y" name="resolution" value="1000" units="1/cm"/>
-        </inkml:channelProperties>
-      </inkml:inkSource>
-      <inkml:timestamp xml:id="ts0" timeString="2023-12-04T11:24:41.398"/>
-    </inkml:context>
-    <inkml:brush xml:id="br0">
-      <inkml:brushProperty name="width" value="0.3" units="cm"/>
-      <inkml:brushProperty name="height" value="0.6" units="cm"/>
-      <inkml:brushProperty name="color" value="#FFFC00"/>
-      <inkml:brushProperty name="tip" value="rectangle"/>
-      <inkml:brushProperty name="rasterOp" value="maskPen"/>
-      <inkml:brushProperty name="ignorePressure" value="1"/>
-    </inkml:brush>
-  </inkml:definitions>
-  <inkml:trace contextRef="#ctx0" brushRef="#br0">2070 88,'-61'-3,"-1"-4,1-2,-74-20,-10-3,102 27,0 2,-86 5,35 0,-147-4,-268 5,336 15,48-2,72-9,19-3,-47 1,69-5,0 1,0 0,-18 3,15 0</inkml:trace>
-</inkml:ink>
 </file>
 
 <file path=ppt/slideLayouts/slideLayout1.xml><?xml version="1.0" encoding="utf-8"?>
@@ -3561,7 +3363,7 @@
             </a:r>
             <a:r>
               <a:rPr lang="pl-PL" dirty="0" err="1"/>
-              <a:t>mackupu</a:t>
+              <a:t>mockupu</a:t>
             </a:r>
             <a:endParaRPr lang="pl-PL" dirty="0"/>
           </a:p>
@@ -3589,9 +3391,18 @@
           <a:lstStyle/>
           <a:p>
             <a:r>
+              <a:rPr lang="pl-PL" dirty="0" err="1"/>
+              <a:t>Wrsje</a:t>
+            </a:r>
+            <a:r>
               <a:rPr lang="pl-PL" dirty="0"/>
-              <a:t>intern8</a:t>
-            </a:r>
+              <a:t> polsko i angielsko </a:t>
+            </a:r>
+            <a:r>
+              <a:rPr lang="pl-PL" dirty="0" err="1"/>
+              <a:t>języczne</a:t>
+            </a:r>
+            <a:endParaRPr lang="pl-PL" dirty="0"/>
           </a:p>
         </p:txBody>
       </p:sp>
@@ -3599,6 +3410,246 @@
     <p:extLst>
       <p:ext uri="{BB962C8B-B14F-4D97-AF65-F5344CB8AC3E}">
         <p14:creationId xmlns:p14="http://schemas.microsoft.com/office/powerpoint/2010/main" val="3478014553"/>
+      </p:ext>
+    </p:extLst>
+  </p:cSld>
+  <p:clrMapOvr>
+    <a:masterClrMapping/>
+  </p:clrMapOvr>
+</p:sld>
+</file>
+
+<file path=ppt/slides/slide10.xml><?xml version="1.0" encoding="utf-8"?>
+<p:sld xmlns:a="http://schemas.openxmlformats.org/drawingml/2006/main" xmlns:r="http://schemas.openxmlformats.org/officeDocument/2006/relationships" xmlns:p="http://schemas.openxmlformats.org/presentationml/2006/main">
+  <p:cSld>
+    <p:spTree>
+      <p:nvGrpSpPr>
+        <p:cNvPr id="1" name=""/>
+        <p:cNvGrpSpPr/>
+        <p:nvPr/>
+      </p:nvGrpSpPr>
+      <p:grpSpPr>
+        <a:xfrm>
+          <a:off x="0" y="0"/>
+          <a:ext cx="0" cy="0"/>
+          <a:chOff x="0" y="0"/>
+          <a:chExt cx="0" cy="0"/>
+        </a:xfrm>
+      </p:grpSpPr>
+      <p:pic>
+        <p:nvPicPr>
+          <p:cNvPr id="11" name="Obraz 10">
+            <a:extLst>
+              <a:ext uri="{FF2B5EF4-FFF2-40B4-BE49-F238E27FC236}">
+                <a16:creationId xmlns:a16="http://schemas.microsoft.com/office/drawing/2014/main" id="{255DEC0E-4353-188F-6A9F-93FB6AF63AE7}"/>
+              </a:ext>
+            </a:extLst>
+          </p:cNvPr>
+          <p:cNvPicPr>
+            <a:picLocks noChangeAspect="1"/>
+          </p:cNvPicPr>
+          <p:nvPr/>
+        </p:nvPicPr>
+        <p:blipFill rotWithShape="1">
+          <a:blip r:embed="rId2"/>
+          <a:srcRect l="1" r="-148" b="4921"/>
+          <a:stretch/>
+        </p:blipFill>
+        <p:spPr>
+          <a:xfrm>
+            <a:off x="0" y="0"/>
+            <a:ext cx="12260178" cy="6858000"/>
+          </a:xfrm>
+          <a:prstGeom prst="rect">
+            <a:avLst/>
+          </a:prstGeom>
+        </p:spPr>
+      </p:pic>
+      <p:sp>
+        <p:nvSpPr>
+          <p:cNvPr id="2" name="Tytuł 1">
+            <a:extLst>
+              <a:ext uri="{FF2B5EF4-FFF2-40B4-BE49-F238E27FC236}">
+                <a16:creationId xmlns:a16="http://schemas.microsoft.com/office/drawing/2014/main" id="{DD43EB04-250B-0248-0585-CF052899998F}"/>
+              </a:ext>
+            </a:extLst>
+          </p:cNvPr>
+          <p:cNvSpPr>
+            <a:spLocks noGrp="1"/>
+          </p:cNvSpPr>
+          <p:nvPr>
+            <p:ph type="title"/>
+          </p:nvPr>
+        </p:nvSpPr>
+        <p:spPr>
+          <a:xfrm>
+            <a:off x="2275973" y="617788"/>
+            <a:ext cx="10515600" cy="1325563"/>
+          </a:xfrm>
+        </p:spPr>
+        <p:txBody>
+          <a:bodyPr>
+            <a:normAutofit/>
+          </a:bodyPr>
+          <a:lstStyle/>
+          <a:p>
+            <a:r>
+              <a:rPr lang="en-US" sz="1800" dirty="0">
+                <a:solidFill>
+                  <a:srgbClr val="FF0000"/>
+                </a:solidFill>
+                <a:highlight>
+                  <a:srgbClr val="C0C0C0"/>
+                </a:highlight>
+              </a:rPr>
+              <a:t>The Contacts tab allows you to send </a:t>
+            </a:r>
+            <a:r>
+              <a:rPr lang="pl-PL" sz="1800" dirty="0">
+                <a:solidFill>
+                  <a:srgbClr val="FF0000"/>
+                </a:solidFill>
+                <a:highlight>
+                  <a:srgbClr val="C0C0C0"/>
+                </a:highlight>
+              </a:rPr>
+              <a:t>a</a:t>
+            </a:r>
+            <a:r>
+              <a:rPr lang="en-US" sz="1800" dirty="0">
+                <a:solidFill>
+                  <a:srgbClr val="FF0000"/>
+                </a:solidFill>
+                <a:highlight>
+                  <a:srgbClr val="C0C0C0"/>
+                </a:highlight>
+              </a:rPr>
+              <a:t> form and contains information to contact the company</a:t>
+            </a:r>
+            <a:endParaRPr lang="pl-PL" sz="1800" dirty="0">
+              <a:solidFill>
+                <a:srgbClr val="FF0000"/>
+              </a:solidFill>
+              <a:highlight>
+                <a:srgbClr val="C0C0C0"/>
+              </a:highlight>
+            </a:endParaRPr>
+          </a:p>
+        </p:txBody>
+      </p:sp>
+    </p:spTree>
+    <p:extLst>
+      <p:ext uri="{BB962C8B-B14F-4D97-AF65-F5344CB8AC3E}">
+        <p14:creationId xmlns:p14="http://schemas.microsoft.com/office/powerpoint/2010/main" val="391443375"/>
+      </p:ext>
+    </p:extLst>
+  </p:cSld>
+  <p:clrMapOvr>
+    <a:masterClrMapping/>
+  </p:clrMapOvr>
+</p:sld>
+</file>
+
+<file path=ppt/slides/slide11.xml><?xml version="1.0" encoding="utf-8"?>
+<p:sld xmlns:a="http://schemas.openxmlformats.org/drawingml/2006/main" xmlns:r="http://schemas.openxmlformats.org/officeDocument/2006/relationships" xmlns:p="http://schemas.openxmlformats.org/presentationml/2006/main">
+  <p:cSld>
+    <p:spTree>
+      <p:nvGrpSpPr>
+        <p:cNvPr id="1" name=""/>
+        <p:cNvGrpSpPr/>
+        <p:nvPr/>
+      </p:nvGrpSpPr>
+      <p:grpSpPr>
+        <a:xfrm>
+          <a:off x="0" y="0"/>
+          <a:ext cx="0" cy="0"/>
+          <a:chOff x="0" y="0"/>
+          <a:chExt cx="0" cy="0"/>
+        </a:xfrm>
+      </p:grpSpPr>
+      <p:pic>
+        <p:nvPicPr>
+          <p:cNvPr id="5" name="Symbol zastępczy zawartości 4">
+            <a:extLst>
+              <a:ext uri="{FF2B5EF4-FFF2-40B4-BE49-F238E27FC236}">
+                <a16:creationId xmlns:a16="http://schemas.microsoft.com/office/drawing/2014/main" id="{27BF91F6-A0B4-94AA-BF47-AD9ACACE21FA}"/>
+              </a:ext>
+            </a:extLst>
+          </p:cNvPr>
+          <p:cNvPicPr>
+            <a:picLocks noGrp="1" noChangeAspect="1"/>
+          </p:cNvPicPr>
+          <p:nvPr>
+            <p:ph idx="1"/>
+          </p:nvPr>
+        </p:nvPicPr>
+        <p:blipFill>
+          <a:blip r:embed="rId2"/>
+          <a:stretch>
+            <a:fillRect/>
+          </a:stretch>
+        </p:blipFill>
+        <p:spPr>
+          <a:xfrm>
+            <a:off x="0" y="0"/>
+            <a:ext cx="13689496" cy="6858001"/>
+          </a:xfrm>
+        </p:spPr>
+      </p:pic>
+      <p:sp>
+        <p:nvSpPr>
+          <p:cNvPr id="2" name="Tytuł 1">
+            <a:extLst>
+              <a:ext uri="{FF2B5EF4-FFF2-40B4-BE49-F238E27FC236}">
+                <a16:creationId xmlns:a16="http://schemas.microsoft.com/office/drawing/2014/main" id="{35CBFC65-DD2E-4588-319D-11C9E2BE4E9A}"/>
+              </a:ext>
+            </a:extLst>
+          </p:cNvPr>
+          <p:cNvSpPr>
+            <a:spLocks noGrp="1"/>
+          </p:cNvSpPr>
+          <p:nvPr>
+            <p:ph type="title"/>
+          </p:nvPr>
+        </p:nvSpPr>
+        <p:spPr>
+          <a:xfrm>
+            <a:off x="3502856" y="2011045"/>
+            <a:ext cx="4965896" cy="1325563"/>
+          </a:xfrm>
+        </p:spPr>
+        <p:txBody>
+          <a:bodyPr>
+            <a:normAutofit/>
+          </a:bodyPr>
+          <a:lstStyle/>
+          <a:p>
+            <a:r>
+              <a:rPr lang="en-US" sz="1800" dirty="0">
+                <a:solidFill>
+                  <a:srgbClr val="FF0000"/>
+                </a:solidFill>
+                <a:highlight>
+                  <a:srgbClr val="C0C0C0"/>
+                </a:highlight>
+              </a:rPr>
+              <a:t>To add certificates and job offers, we edit JSON files with appropriate names NOTE: all objects in the array must have a preserved schema</a:t>
+            </a:r>
+            <a:endParaRPr lang="pl-PL" sz="1800" dirty="0">
+              <a:solidFill>
+                <a:srgbClr val="FF0000"/>
+              </a:solidFill>
+              <a:highlight>
+                <a:srgbClr val="C0C0C0"/>
+              </a:highlight>
+            </a:endParaRPr>
+          </a:p>
+        </p:txBody>
+      </p:sp>
+    </p:spTree>
+    <p:extLst>
+      <p:ext uri="{BB962C8B-B14F-4D97-AF65-F5344CB8AC3E}">
+        <p14:creationId xmlns:p14="http://schemas.microsoft.com/office/powerpoint/2010/main" val="3232769617"/>
       </p:ext>
     </p:extLst>
   </p:cSld>
@@ -3691,215 +3742,11 @@
                   <a:srgbClr val="C0C0C0"/>
                 </a:highlight>
               </a:rPr>
-              <a:t>Poruszamy się po stronie za pomocą podświetlonych przycisków</a:t>
-            </a:r>
-          </a:p>
-        </p:txBody>
-      </p:sp>
-      <mc:AlternateContent xmlns:mc="http://schemas.openxmlformats.org/markup-compatibility/2006" xmlns:p14="http://schemas.microsoft.com/office/powerpoint/2010/main">
-        <mc:Choice Requires="p14">
-          <p:contentPart p14:bwMode="auto" r:id="rId3">
-            <p14:nvContentPartPr>
-              <p14:cNvPr id="17" name="Pismo odręczne 16">
-                <a:extLst>
-                  <a:ext uri="{FF2B5EF4-FFF2-40B4-BE49-F238E27FC236}">
-                    <a16:creationId xmlns:a16="http://schemas.microsoft.com/office/drawing/2014/main" id="{AE04858B-CDEB-3E69-FF3D-FDDD6A8B2B97}"/>
-                  </a:ext>
-                </a:extLst>
-              </p14:cNvPr>
-              <p14:cNvContentPartPr/>
-              <p14:nvPr/>
-            </p14:nvContentPartPr>
-            <p14:xfrm>
-              <a:off x="7946555" y="817854"/>
-              <a:ext cx="479880" cy="29520"/>
-            </p14:xfrm>
-          </p:contentPart>
-        </mc:Choice>
-        <mc:Fallback xmlns="">
-          <p:pic>
-            <p:nvPicPr>
-              <p:cNvPr id="17" name="Pismo odręczne 16">
-                <a:extLst>
-                  <a:ext uri="{FF2B5EF4-FFF2-40B4-BE49-F238E27FC236}">
-                    <a16:creationId xmlns:a16="http://schemas.microsoft.com/office/drawing/2014/main" id="{AE04858B-CDEB-3E69-FF3D-FDDD6A8B2B97}"/>
-                  </a:ext>
-                </a:extLst>
-              </p:cNvPr>
-              <p:cNvPicPr/>
-              <p:nvPr/>
-            </p:nvPicPr>
-            <p:blipFill>
-              <a:blip r:embed="rId4"/>
-              <a:stretch>
-                <a:fillRect/>
-              </a:stretch>
-            </p:blipFill>
-            <p:spPr>
-              <a:xfrm>
-                <a:off x="7892915" y="710214"/>
-                <a:ext cx="587520" cy="245160"/>
-              </a:xfrm>
-              <a:prstGeom prst="rect">
-                <a:avLst/>
-              </a:prstGeom>
-            </p:spPr>
-          </p:pic>
-        </mc:Fallback>
-      </mc:AlternateContent>
-      <mc:AlternateContent xmlns:mc="http://schemas.openxmlformats.org/markup-compatibility/2006" xmlns:p14="http://schemas.microsoft.com/office/powerpoint/2010/main">
-        <mc:Choice Requires="p14">
-          <p:contentPart p14:bwMode="auto" r:id="rId5">
-            <p14:nvContentPartPr>
-              <p14:cNvPr id="18" name="Pismo odręczne 17">
-                <a:extLst>
-                  <a:ext uri="{FF2B5EF4-FFF2-40B4-BE49-F238E27FC236}">
-                    <a16:creationId xmlns:a16="http://schemas.microsoft.com/office/drawing/2014/main" id="{9063D4E8-7A42-A0BB-4B41-0FACED54E8BC}"/>
-                  </a:ext>
-                </a:extLst>
-              </p14:cNvPr>
-              <p14:cNvContentPartPr/>
-              <p14:nvPr/>
-            </p14:nvContentPartPr>
-            <p14:xfrm>
-              <a:off x="8788955" y="848094"/>
-              <a:ext cx="828360" cy="31320"/>
-            </p14:xfrm>
-          </p:contentPart>
-        </mc:Choice>
-        <mc:Fallback xmlns="">
-          <p:pic>
-            <p:nvPicPr>
-              <p:cNvPr id="18" name="Pismo odręczne 17">
-                <a:extLst>
-                  <a:ext uri="{FF2B5EF4-FFF2-40B4-BE49-F238E27FC236}">
-                    <a16:creationId xmlns:a16="http://schemas.microsoft.com/office/drawing/2014/main" id="{9063D4E8-7A42-A0BB-4B41-0FACED54E8BC}"/>
-                  </a:ext>
-                </a:extLst>
-              </p:cNvPr>
-              <p:cNvPicPr/>
-              <p:nvPr/>
-            </p:nvPicPr>
-            <p:blipFill>
-              <a:blip r:embed="rId6"/>
-              <a:stretch>
-                <a:fillRect/>
-              </a:stretch>
-            </p:blipFill>
-            <p:spPr>
-              <a:xfrm>
-                <a:off x="8734955" y="740094"/>
-                <a:ext cx="936000" cy="246960"/>
-              </a:xfrm>
-              <a:prstGeom prst="rect">
-                <a:avLst/>
-              </a:prstGeom>
-            </p:spPr>
-          </p:pic>
-        </mc:Fallback>
-      </mc:AlternateContent>
-      <mc:AlternateContent xmlns:mc="http://schemas.openxmlformats.org/markup-compatibility/2006" xmlns:p14="http://schemas.microsoft.com/office/powerpoint/2010/main">
-        <mc:Choice Requires="p14">
-          <p:contentPart p14:bwMode="auto" r:id="rId7">
-            <p14:nvContentPartPr>
-              <p14:cNvPr id="19" name="Pismo odręczne 18">
-                <a:extLst>
-                  <a:ext uri="{FF2B5EF4-FFF2-40B4-BE49-F238E27FC236}">
-                    <a16:creationId xmlns:a16="http://schemas.microsoft.com/office/drawing/2014/main" id="{FE996BF0-36D9-E1ED-C1FA-CF834E249CA8}"/>
-                  </a:ext>
-                </a:extLst>
-              </p14:cNvPr>
-              <p14:cNvContentPartPr/>
-              <p14:nvPr/>
-            </p14:nvContentPartPr>
-            <p14:xfrm>
-              <a:off x="9859955" y="805974"/>
-              <a:ext cx="685440" cy="42480"/>
-            </p14:xfrm>
-          </p:contentPart>
-        </mc:Choice>
-        <mc:Fallback xmlns="">
-          <p:pic>
-            <p:nvPicPr>
-              <p:cNvPr id="19" name="Pismo odręczne 18">
-                <a:extLst>
-                  <a:ext uri="{FF2B5EF4-FFF2-40B4-BE49-F238E27FC236}">
-                    <a16:creationId xmlns:a16="http://schemas.microsoft.com/office/drawing/2014/main" id="{FE996BF0-36D9-E1ED-C1FA-CF834E249CA8}"/>
-                  </a:ext>
-                </a:extLst>
-              </p:cNvPr>
-              <p:cNvPicPr/>
-              <p:nvPr/>
-            </p:nvPicPr>
-            <p:blipFill>
-              <a:blip r:embed="rId8"/>
-              <a:stretch>
-                <a:fillRect/>
-              </a:stretch>
-            </p:blipFill>
-            <p:spPr>
-              <a:xfrm>
-                <a:off x="9805955" y="697974"/>
-                <a:ext cx="793080" cy="258120"/>
-              </a:xfrm>
-              <a:prstGeom prst="rect">
-                <a:avLst/>
-              </a:prstGeom>
-            </p:spPr>
-          </p:pic>
-        </mc:Fallback>
-      </mc:AlternateContent>
-      <mc:AlternateContent xmlns:mc="http://schemas.openxmlformats.org/markup-compatibility/2006" xmlns:p14="http://schemas.microsoft.com/office/powerpoint/2010/main">
-        <mc:Choice Requires="p14">
-          <p:contentPart p14:bwMode="auto" r:id="rId9">
-            <p14:nvContentPartPr>
-              <p14:cNvPr id="20" name="Pismo odręczne 19">
-                <a:extLst>
-                  <a:ext uri="{FF2B5EF4-FFF2-40B4-BE49-F238E27FC236}">
-                    <a16:creationId xmlns:a16="http://schemas.microsoft.com/office/drawing/2014/main" id="{A66C9059-A9F9-2877-A74C-FC5CEE8D4F2F}"/>
-                  </a:ext>
-                </a:extLst>
-              </p14:cNvPr>
-              <p14:cNvContentPartPr/>
-              <p14:nvPr/>
-            </p14:nvContentPartPr>
-            <p14:xfrm>
-              <a:off x="11050835" y="799854"/>
-              <a:ext cx="589680" cy="18000"/>
-            </p14:xfrm>
-          </p:contentPart>
-        </mc:Choice>
-        <mc:Fallback xmlns="">
-          <p:pic>
-            <p:nvPicPr>
-              <p:cNvPr id="20" name="Pismo odręczne 19">
-                <a:extLst>
-                  <a:ext uri="{FF2B5EF4-FFF2-40B4-BE49-F238E27FC236}">
-                    <a16:creationId xmlns:a16="http://schemas.microsoft.com/office/drawing/2014/main" id="{A66C9059-A9F9-2877-A74C-FC5CEE8D4F2F}"/>
-                  </a:ext>
-                </a:extLst>
-              </p:cNvPr>
-              <p:cNvPicPr/>
-              <p:nvPr/>
-            </p:nvPicPr>
-            <p:blipFill>
-              <a:blip r:embed="rId10"/>
-              <a:stretch>
-                <a:fillRect/>
-              </a:stretch>
-            </p:blipFill>
-            <p:spPr>
-              <a:xfrm>
-                <a:off x="10996835" y="691854"/>
-                <a:ext cx="697320" cy="233640"/>
-              </a:xfrm>
-              <a:prstGeom prst="rect">
-                <a:avLst/>
-              </a:prstGeom>
-            </p:spPr>
-          </p:pic>
-        </mc:Fallback>
-      </mc:AlternateContent>
+              <a:t>Poruszamy się po stronie za pomocą powyższych przycisków</a:t>
+            </a:r>
+          </a:p>
+        </p:txBody>
+      </p:sp>
     </p:spTree>
     <p:extLst>
       <p:ext uri="{BB962C8B-B14F-4D97-AF65-F5344CB8AC3E}">
@@ -3997,131 +3844,11 @@
                   <a:srgbClr val="C0C0C0"/>
                 </a:highlight>
               </a:rPr>
-              <a:t>Zakładka </a:t>
-            </a:r>
-            <a:r>
-              <a:rPr lang="pl-PL" sz="1800" dirty="0" err="1">
-                <a:solidFill>
-                  <a:srgbClr val="FF0000"/>
-                </a:solidFill>
-                <a:highlight>
-                  <a:srgbClr val="C0C0C0"/>
-                </a:highlight>
-              </a:rPr>
-              <a:t>job</a:t>
-            </a:r>
-            <a:r>
-              <a:rPr lang="pl-PL" sz="1800" dirty="0">
-                <a:solidFill>
-                  <a:srgbClr val="FF0000"/>
-                </a:solidFill>
-                <a:highlight>
-                  <a:srgbClr val="C0C0C0"/>
-                </a:highlight>
-              </a:rPr>
-              <a:t> </a:t>
-            </a:r>
-            <a:r>
-              <a:rPr lang="pl-PL" sz="1800" dirty="0" err="1">
-                <a:solidFill>
-                  <a:srgbClr val="FF0000"/>
-                </a:solidFill>
-                <a:highlight>
-                  <a:srgbClr val="C0C0C0"/>
-                </a:highlight>
-              </a:rPr>
-              <a:t>offers</a:t>
-            </a:r>
-            <a:r>
-              <a:rPr lang="pl-PL" sz="1800" dirty="0">
-                <a:solidFill>
-                  <a:srgbClr val="FF0000"/>
-                </a:solidFill>
-                <a:highlight>
-                  <a:srgbClr val="C0C0C0"/>
-                </a:highlight>
-              </a:rPr>
-              <a:t> wyświetla oferty pracy </a:t>
-            </a:r>
-          </a:p>
-        </p:txBody>
-      </p:sp>
-      <p:sp>
-        <p:nvSpPr>
-          <p:cNvPr id="3" name="Symbol zastępczy zawartości 2">
-            <a:extLst>
-              <a:ext uri="{FF2B5EF4-FFF2-40B4-BE49-F238E27FC236}">
-                <a16:creationId xmlns:a16="http://schemas.microsoft.com/office/drawing/2014/main" id="{BFE7BFC3-97F6-4409-2F98-28A6DCAF7D5B}"/>
-              </a:ext>
-            </a:extLst>
-          </p:cNvPr>
-          <p:cNvSpPr>
-            <a:spLocks noGrp="1"/>
-          </p:cNvSpPr>
-          <p:nvPr>
-            <p:ph idx="1"/>
-          </p:nvPr>
-        </p:nvSpPr>
-        <p:spPr/>
-        <p:txBody>
-          <a:bodyPr/>
-          <a:lstStyle/>
-          <a:p>
-            <a:endParaRPr lang="pl-PL" dirty="0"/>
-          </a:p>
-        </p:txBody>
-      </p:sp>
-      <mc:AlternateContent xmlns:mc="http://schemas.openxmlformats.org/markup-compatibility/2006">
-        <mc:Choice xmlns:p14="http://schemas.microsoft.com/office/powerpoint/2010/main" Requires="p14">
-          <p:contentPart p14:bwMode="auto" r:id="rId3">
-            <p14:nvContentPartPr>
-              <p14:cNvPr id="6" name="Pismo odręczne 5">
-                <a:extLst>
-                  <a:ext uri="{FF2B5EF4-FFF2-40B4-BE49-F238E27FC236}">
-                    <a16:creationId xmlns:a16="http://schemas.microsoft.com/office/drawing/2014/main" id="{A9959664-AF37-6643-F278-959EF08DF4A0}"/>
-                  </a:ext>
-                </a:extLst>
-              </p14:cNvPr>
-              <p14:cNvContentPartPr/>
-              <p14:nvPr/>
-            </p14:nvContentPartPr>
-            <p14:xfrm>
-              <a:off x="8725680" y="932503"/>
-              <a:ext cx="729720" cy="41040"/>
-            </p14:xfrm>
-          </p:contentPart>
-        </mc:Choice>
-        <mc:Fallback>
-          <p:pic>
-            <p:nvPicPr>
-              <p:cNvPr id="6" name="Pismo odręczne 5">
-                <a:extLst>
-                  <a:ext uri="{FF2B5EF4-FFF2-40B4-BE49-F238E27FC236}">
-                    <a16:creationId xmlns:a16="http://schemas.microsoft.com/office/drawing/2014/main" id="{A9959664-AF37-6643-F278-959EF08DF4A0}"/>
-                  </a:ext>
-                </a:extLst>
-              </p:cNvPr>
-              <p:cNvPicPr/>
-              <p:nvPr/>
-            </p:nvPicPr>
-            <p:blipFill>
-              <a:blip r:embed="rId4"/>
-              <a:stretch>
-                <a:fillRect/>
-              </a:stretch>
-            </p:blipFill>
-            <p:spPr>
-              <a:xfrm>
-                <a:off x="8672040" y="824503"/>
-                <a:ext cx="837360" cy="256680"/>
-              </a:xfrm>
-              <a:prstGeom prst="rect">
-                <a:avLst/>
-              </a:prstGeom>
-            </p:spPr>
-          </p:pic>
-        </mc:Fallback>
-      </mc:AlternateContent>
+              <a:t>Zakładka job offers wyświetla oferty pracy </a:t>
+            </a:r>
+          </a:p>
+        </p:txBody>
+      </p:sp>
     </p:spTree>
     <p:extLst>
       <p:ext uri="{BB962C8B-B14F-4D97-AF65-F5344CB8AC3E}">
@@ -4219,109 +3946,11 @@
                   <a:srgbClr val="C0C0C0"/>
                 </a:highlight>
               </a:rPr>
-              <a:t>Zakładka </a:t>
-            </a:r>
-            <a:r>
-              <a:rPr lang="pl-PL" sz="1800" dirty="0" err="1">
-                <a:solidFill>
-                  <a:srgbClr val="FF0000"/>
-                </a:solidFill>
-                <a:highlight>
-                  <a:srgbClr val="C0C0C0"/>
-                </a:highlight>
-              </a:rPr>
-              <a:t>certificates</a:t>
-            </a:r>
-            <a:r>
-              <a:rPr lang="pl-PL" sz="1800" dirty="0">
-                <a:solidFill>
-                  <a:srgbClr val="FF0000"/>
-                </a:solidFill>
-                <a:highlight>
-                  <a:srgbClr val="C0C0C0"/>
-                </a:highlight>
-              </a:rPr>
-              <a:t> wyświetla certyfikaty</a:t>
-            </a:r>
-          </a:p>
-        </p:txBody>
-      </p:sp>
-      <p:sp>
-        <p:nvSpPr>
-          <p:cNvPr id="7" name="Symbol zastępczy zawartości 6">
-            <a:extLst>
-              <a:ext uri="{FF2B5EF4-FFF2-40B4-BE49-F238E27FC236}">
-                <a16:creationId xmlns:a16="http://schemas.microsoft.com/office/drawing/2014/main" id="{D8EB1ED9-04F0-8B5E-DBF5-F9C25C506693}"/>
-              </a:ext>
-            </a:extLst>
-          </p:cNvPr>
-          <p:cNvSpPr>
-            <a:spLocks noGrp="1"/>
-          </p:cNvSpPr>
-          <p:nvPr>
-            <p:ph idx="1"/>
-          </p:nvPr>
-        </p:nvSpPr>
-        <p:spPr/>
-        <p:txBody>
-          <a:bodyPr/>
-          <a:lstStyle/>
-          <a:p>
-            <a:endParaRPr lang="pl-PL"/>
-          </a:p>
-        </p:txBody>
-      </p:sp>
-      <mc:AlternateContent xmlns:mc="http://schemas.openxmlformats.org/markup-compatibility/2006">
-        <mc:Choice xmlns:p14="http://schemas.microsoft.com/office/powerpoint/2010/main" Requires="p14">
-          <p:contentPart p14:bwMode="auto" r:id="rId3">
-            <p14:nvContentPartPr>
-              <p14:cNvPr id="14" name="Pismo odręczne 13">
-                <a:extLst>
-                  <a:ext uri="{FF2B5EF4-FFF2-40B4-BE49-F238E27FC236}">
-                    <a16:creationId xmlns:a16="http://schemas.microsoft.com/office/drawing/2014/main" id="{90AC3DA6-6FC3-AE08-7CA9-AD48D498538A}"/>
-                  </a:ext>
-                </a:extLst>
-              </p14:cNvPr>
-              <p14:cNvContentPartPr/>
-              <p14:nvPr/>
-            </p14:nvContentPartPr>
-            <p14:xfrm>
-              <a:off x="9751114" y="900823"/>
-              <a:ext cx="918000" cy="27360"/>
-            </p14:xfrm>
-          </p:contentPart>
-        </mc:Choice>
-        <mc:Fallback>
-          <p:pic>
-            <p:nvPicPr>
-              <p:cNvPr id="14" name="Pismo odręczne 13">
-                <a:extLst>
-                  <a:ext uri="{FF2B5EF4-FFF2-40B4-BE49-F238E27FC236}">
-                    <a16:creationId xmlns:a16="http://schemas.microsoft.com/office/drawing/2014/main" id="{90AC3DA6-6FC3-AE08-7CA9-AD48D498538A}"/>
-                  </a:ext>
-                </a:extLst>
-              </p:cNvPr>
-              <p:cNvPicPr/>
-              <p:nvPr/>
-            </p:nvPicPr>
-            <p:blipFill>
-              <a:blip r:embed="rId4"/>
-              <a:stretch>
-                <a:fillRect/>
-              </a:stretch>
-            </p:blipFill>
-            <p:spPr>
-              <a:xfrm>
-                <a:off x="9697474" y="792823"/>
-                <a:ext cx="1025640" cy="243000"/>
-              </a:xfrm>
-              <a:prstGeom prst="rect">
-                <a:avLst/>
-              </a:prstGeom>
-            </p:spPr>
-          </p:pic>
-        </mc:Fallback>
-      </mc:AlternateContent>
+              <a:t>Zakładka certificates wyświetla certyfikaty</a:t>
+            </a:r>
+          </a:p>
+        </p:txBody>
+      </p:sp>
     </p:spTree>
     <p:extLst>
       <p:ext uri="{BB962C8B-B14F-4D97-AF65-F5344CB8AC3E}">
@@ -4366,16 +3995,15 @@
           </p:cNvPicPr>
           <p:nvPr/>
         </p:nvPicPr>
-        <p:blipFill>
+        <p:blipFill rotWithShape="1">
           <a:blip r:embed="rId2"/>
-          <a:stretch>
-            <a:fillRect/>
-          </a:stretch>
+          <a:srcRect l="1" r="-148" b="4921"/>
+          <a:stretch/>
         </p:blipFill>
         <p:spPr>
           <a:xfrm>
             <a:off x="1" y="0"/>
-            <a:ext cx="12191999" cy="6858000"/>
+            <a:ext cx="12260178" cy="6858000"/>
           </a:xfrm>
           <a:prstGeom prst="rect">
             <a:avLst/>
@@ -4424,82 +4052,6 @@
           </a:p>
         </p:txBody>
       </p:sp>
-      <p:sp>
-        <p:nvSpPr>
-          <p:cNvPr id="3" name="Symbol zastępczy zawartości 2">
-            <a:extLst>
-              <a:ext uri="{FF2B5EF4-FFF2-40B4-BE49-F238E27FC236}">
-                <a16:creationId xmlns:a16="http://schemas.microsoft.com/office/drawing/2014/main" id="{A2FB51A6-EAFB-D1FF-4D69-E7D57B8295F5}"/>
-              </a:ext>
-            </a:extLst>
-          </p:cNvPr>
-          <p:cNvSpPr>
-            <a:spLocks noGrp="1"/>
-          </p:cNvSpPr>
-          <p:nvPr>
-            <p:ph idx="1"/>
-          </p:nvPr>
-        </p:nvSpPr>
-        <p:spPr/>
-        <p:txBody>
-          <a:bodyPr/>
-          <a:lstStyle/>
-          <a:p>
-            <a:endParaRPr lang="pl-PL" dirty="0"/>
-          </a:p>
-        </p:txBody>
-      </p:sp>
-      <mc:AlternateContent xmlns:mc="http://schemas.openxmlformats.org/markup-compatibility/2006">
-        <mc:Choice xmlns:p14="http://schemas.microsoft.com/office/powerpoint/2010/main" Requires="p14">
-          <p:contentPart p14:bwMode="auto" r:id="rId3">
-            <p14:nvContentPartPr>
-              <p14:cNvPr id="12" name="Pismo odręczne 11">
-                <a:extLst>
-                  <a:ext uri="{FF2B5EF4-FFF2-40B4-BE49-F238E27FC236}">
-                    <a16:creationId xmlns:a16="http://schemas.microsoft.com/office/drawing/2014/main" id="{6CBCDB60-FA3E-7D68-55A6-CC716714C68C}"/>
-                  </a:ext>
-                </a:extLst>
-              </p14:cNvPr>
-              <p14:cNvContentPartPr/>
-              <p14:nvPr/>
-            </p14:nvContentPartPr>
-            <p14:xfrm>
-              <a:off x="10937245" y="846597"/>
-              <a:ext cx="745560" cy="32040"/>
-            </p14:xfrm>
-          </p:contentPart>
-        </mc:Choice>
-        <mc:Fallback>
-          <p:pic>
-            <p:nvPicPr>
-              <p:cNvPr id="12" name="Pismo odręczne 11">
-                <a:extLst>
-                  <a:ext uri="{FF2B5EF4-FFF2-40B4-BE49-F238E27FC236}">
-                    <a16:creationId xmlns:a16="http://schemas.microsoft.com/office/drawing/2014/main" id="{6CBCDB60-FA3E-7D68-55A6-CC716714C68C}"/>
-                  </a:ext>
-                </a:extLst>
-              </p:cNvPr>
-              <p:cNvPicPr/>
-              <p:nvPr/>
-            </p:nvPicPr>
-            <p:blipFill>
-              <a:blip r:embed="rId4"/>
-              <a:stretch>
-                <a:fillRect/>
-              </a:stretch>
-            </p:blipFill>
-            <p:spPr>
-              <a:xfrm>
-                <a:off x="10883245" y="738597"/>
-                <a:ext cx="853200" cy="247680"/>
-              </a:xfrm>
-              <a:prstGeom prst="rect">
-                <a:avLst/>
-              </a:prstGeom>
-            </p:spPr>
-          </p:pic>
-        </mc:Fallback>
-      </mc:AlternateContent>
     </p:spTree>
     <p:extLst>
       <p:ext uri="{BB962C8B-B14F-4D97-AF65-F5344CB8AC3E}">
@@ -4605,6 +4157,371 @@
     <p:extLst>
       <p:ext uri="{BB962C8B-B14F-4D97-AF65-F5344CB8AC3E}">
         <p14:creationId xmlns:p14="http://schemas.microsoft.com/office/powerpoint/2010/main" val="1694145606"/>
+      </p:ext>
+    </p:extLst>
+  </p:cSld>
+  <p:clrMapOvr>
+    <a:masterClrMapping/>
+  </p:clrMapOvr>
+</p:sld>
+</file>
+
+<file path=ppt/slides/slide7.xml><?xml version="1.0" encoding="utf-8"?>
+<p:sld xmlns:a="http://schemas.openxmlformats.org/drawingml/2006/main" xmlns:r="http://schemas.openxmlformats.org/officeDocument/2006/relationships" xmlns:p="http://schemas.openxmlformats.org/presentationml/2006/main">
+  <p:cSld>
+    <p:spTree>
+      <p:nvGrpSpPr>
+        <p:cNvPr id="1" name=""/>
+        <p:cNvGrpSpPr/>
+        <p:nvPr/>
+      </p:nvGrpSpPr>
+      <p:grpSpPr>
+        <a:xfrm>
+          <a:off x="0" y="0"/>
+          <a:ext cx="0" cy="0"/>
+          <a:chOff x="0" y="0"/>
+          <a:chExt cx="0" cy="0"/>
+        </a:xfrm>
+      </p:grpSpPr>
+      <p:pic>
+        <p:nvPicPr>
+          <p:cNvPr id="5" name="Symbol zastępczy zawartości 4">
+            <a:extLst>
+              <a:ext uri="{FF2B5EF4-FFF2-40B4-BE49-F238E27FC236}">
+                <a16:creationId xmlns:a16="http://schemas.microsoft.com/office/drawing/2014/main" id="{A3B76E0F-1163-FA92-A659-B7D0E4292583}"/>
+              </a:ext>
+            </a:extLst>
+          </p:cNvPr>
+          <p:cNvPicPr>
+            <a:picLocks noGrp="1" noChangeAspect="1"/>
+          </p:cNvPicPr>
+          <p:nvPr>
+            <p:ph idx="1"/>
+          </p:nvPr>
+        </p:nvPicPr>
+        <p:blipFill>
+          <a:blip r:embed="rId2"/>
+          <a:stretch>
+            <a:fillRect/>
+          </a:stretch>
+        </p:blipFill>
+        <p:spPr>
+          <a:xfrm>
+            <a:off x="0" y="-354932"/>
+            <a:ext cx="12192000" cy="7212932"/>
+          </a:xfrm>
+        </p:spPr>
+      </p:pic>
+      <p:sp>
+        <p:nvSpPr>
+          <p:cNvPr id="2" name="Tytuł 1">
+            <a:extLst>
+              <a:ext uri="{FF2B5EF4-FFF2-40B4-BE49-F238E27FC236}">
+                <a16:creationId xmlns:a16="http://schemas.microsoft.com/office/drawing/2014/main" id="{01A0D1B2-BFBA-5F1E-93AB-9819CE3D2247}"/>
+              </a:ext>
+            </a:extLst>
+          </p:cNvPr>
+          <p:cNvSpPr>
+            <a:spLocks noGrp="1"/>
+          </p:cNvSpPr>
+          <p:nvPr>
+            <p:ph type="title"/>
+          </p:nvPr>
+        </p:nvSpPr>
+        <p:spPr>
+          <a:xfrm>
+            <a:off x="5933574" y="671931"/>
+            <a:ext cx="10515600" cy="1325563"/>
+          </a:xfrm>
+        </p:spPr>
+        <p:txBody>
+          <a:bodyPr>
+            <a:normAutofit/>
+          </a:bodyPr>
+          <a:lstStyle/>
+          <a:p>
+            <a:r>
+              <a:rPr lang="en-US" sz="1800" dirty="0">
+                <a:solidFill>
+                  <a:srgbClr val="FF0000"/>
+                </a:solidFill>
+                <a:highlight>
+                  <a:srgbClr val="C0C0C0"/>
+                </a:highlight>
+              </a:rPr>
+              <a:t>We move around the website using the buttons above</a:t>
+            </a:r>
+            <a:endParaRPr lang="pl-PL" sz="1800" dirty="0">
+              <a:solidFill>
+                <a:srgbClr val="FF0000"/>
+              </a:solidFill>
+              <a:highlight>
+                <a:srgbClr val="C0C0C0"/>
+              </a:highlight>
+            </a:endParaRPr>
+          </a:p>
+        </p:txBody>
+      </p:sp>
+    </p:spTree>
+    <p:extLst>
+      <p:ext uri="{BB962C8B-B14F-4D97-AF65-F5344CB8AC3E}">
+        <p14:creationId xmlns:p14="http://schemas.microsoft.com/office/powerpoint/2010/main" val="552973256"/>
+      </p:ext>
+    </p:extLst>
+  </p:cSld>
+  <p:clrMapOvr>
+    <a:masterClrMapping/>
+  </p:clrMapOvr>
+</p:sld>
+</file>
+
+<file path=ppt/slides/slide8.xml><?xml version="1.0" encoding="utf-8"?>
+<p:sld xmlns:a="http://schemas.openxmlformats.org/drawingml/2006/main" xmlns:r="http://schemas.openxmlformats.org/officeDocument/2006/relationships" xmlns:p="http://schemas.openxmlformats.org/presentationml/2006/main">
+  <p:cSld>
+    <p:spTree>
+      <p:nvGrpSpPr>
+        <p:cNvPr id="1" name=""/>
+        <p:cNvGrpSpPr/>
+        <p:nvPr/>
+      </p:nvGrpSpPr>
+      <p:grpSpPr>
+        <a:xfrm>
+          <a:off x="0" y="0"/>
+          <a:ext cx="0" cy="0"/>
+          <a:chOff x="0" y="0"/>
+          <a:chExt cx="0" cy="0"/>
+        </a:xfrm>
+      </p:grpSpPr>
+      <p:pic>
+        <p:nvPicPr>
+          <p:cNvPr id="5" name="Obraz 4">
+            <a:extLst>
+              <a:ext uri="{FF2B5EF4-FFF2-40B4-BE49-F238E27FC236}">
+                <a16:creationId xmlns:a16="http://schemas.microsoft.com/office/drawing/2014/main" id="{FEC88772-75B0-8797-6EFF-0056E830CEFA}"/>
+              </a:ext>
+            </a:extLst>
+          </p:cNvPr>
+          <p:cNvPicPr>
+            <a:picLocks noChangeAspect="1"/>
+          </p:cNvPicPr>
+          <p:nvPr/>
+        </p:nvPicPr>
+        <p:blipFill>
+          <a:blip r:embed="rId2"/>
+          <a:stretch>
+            <a:fillRect/>
+          </a:stretch>
+        </p:blipFill>
+        <p:spPr>
+          <a:xfrm>
+            <a:off x="0" y="0"/>
+            <a:ext cx="12192000" cy="6842361"/>
+          </a:xfrm>
+          <a:prstGeom prst="rect">
+            <a:avLst/>
+          </a:prstGeom>
+        </p:spPr>
+      </p:pic>
+      <p:sp>
+        <p:nvSpPr>
+          <p:cNvPr id="2" name="Tytuł 1">
+            <a:extLst>
+              <a:ext uri="{FF2B5EF4-FFF2-40B4-BE49-F238E27FC236}">
+                <a16:creationId xmlns:a16="http://schemas.microsoft.com/office/drawing/2014/main" id="{9CBE7632-7BDD-7C0F-B3D6-37B3D8192881}"/>
+              </a:ext>
+            </a:extLst>
+          </p:cNvPr>
+          <p:cNvSpPr>
+            <a:spLocks noGrp="1"/>
+          </p:cNvSpPr>
+          <p:nvPr>
+            <p:ph type="title"/>
+          </p:nvPr>
+        </p:nvSpPr>
+        <p:spPr>
+          <a:xfrm>
+            <a:off x="7431505" y="736803"/>
+            <a:ext cx="10515600" cy="1325563"/>
+          </a:xfrm>
+        </p:spPr>
+        <p:txBody>
+          <a:bodyPr>
+            <a:normAutofit/>
+          </a:bodyPr>
+          <a:lstStyle/>
+          <a:p>
+            <a:r>
+              <a:rPr lang="en-US" sz="1800" dirty="0">
+                <a:solidFill>
+                  <a:srgbClr val="FF0000"/>
+                </a:solidFill>
+                <a:highlight>
+                  <a:srgbClr val="C0C0C0"/>
+                </a:highlight>
+              </a:rPr>
+              <a:t>The job offers tab displays job offers</a:t>
+            </a:r>
+            <a:endParaRPr lang="pl-PL" sz="1800" dirty="0">
+              <a:solidFill>
+                <a:srgbClr val="FF0000"/>
+              </a:solidFill>
+              <a:highlight>
+                <a:srgbClr val="C0C0C0"/>
+              </a:highlight>
+            </a:endParaRPr>
+          </a:p>
+        </p:txBody>
+      </p:sp>
+    </p:spTree>
+    <p:extLst>
+      <p:ext uri="{BB962C8B-B14F-4D97-AF65-F5344CB8AC3E}">
+        <p14:creationId xmlns:p14="http://schemas.microsoft.com/office/powerpoint/2010/main" val="1529013106"/>
+      </p:ext>
+    </p:extLst>
+  </p:cSld>
+  <p:clrMapOvr>
+    <a:masterClrMapping/>
+  </p:clrMapOvr>
+</p:sld>
+</file>
+
+<file path=ppt/slides/slide9.xml><?xml version="1.0" encoding="utf-8"?>
+<p:sld xmlns:a="http://schemas.openxmlformats.org/drawingml/2006/main" xmlns:r="http://schemas.openxmlformats.org/officeDocument/2006/relationships" xmlns:p="http://schemas.openxmlformats.org/presentationml/2006/main">
+  <p:cSld>
+    <p:spTree>
+      <p:nvGrpSpPr>
+        <p:cNvPr id="1" name=""/>
+        <p:cNvGrpSpPr/>
+        <p:nvPr/>
+      </p:nvGrpSpPr>
+      <p:grpSpPr>
+        <a:xfrm>
+          <a:off x="0" y="0"/>
+          <a:ext cx="0" cy="0"/>
+          <a:chOff x="0" y="0"/>
+          <a:chExt cx="0" cy="0"/>
+        </a:xfrm>
+      </p:grpSpPr>
+      <p:pic>
+        <p:nvPicPr>
+          <p:cNvPr id="13" name="Obraz 12">
+            <a:extLst>
+              <a:ext uri="{FF2B5EF4-FFF2-40B4-BE49-F238E27FC236}">
+                <a16:creationId xmlns:a16="http://schemas.microsoft.com/office/drawing/2014/main" id="{6B2B1DD7-0C3A-7CAE-8318-2FFBEEB9464C}"/>
+              </a:ext>
+            </a:extLst>
+          </p:cNvPr>
+          <p:cNvPicPr>
+            <a:picLocks noChangeAspect="1"/>
+          </p:cNvPicPr>
+          <p:nvPr/>
+        </p:nvPicPr>
+        <p:blipFill>
+          <a:blip r:embed="rId2"/>
+          <a:stretch>
+            <a:fillRect/>
+          </a:stretch>
+        </p:blipFill>
+        <p:spPr>
+          <a:xfrm>
+            <a:off x="0" y="0"/>
+            <a:ext cx="12256872" cy="6858000"/>
+          </a:xfrm>
+          <a:prstGeom prst="rect">
+            <a:avLst/>
+          </a:prstGeom>
+        </p:spPr>
+      </p:pic>
+      <p:sp>
+        <p:nvSpPr>
+          <p:cNvPr id="2" name="Tytuł 1">
+            <a:extLst>
+              <a:ext uri="{FF2B5EF4-FFF2-40B4-BE49-F238E27FC236}">
+                <a16:creationId xmlns:a16="http://schemas.microsoft.com/office/drawing/2014/main" id="{5C78C9FC-5F1A-444E-1306-CC97A71CED59}"/>
+              </a:ext>
+            </a:extLst>
+          </p:cNvPr>
+          <p:cNvSpPr>
+            <a:spLocks noGrp="1"/>
+          </p:cNvSpPr>
+          <p:nvPr>
+            <p:ph type="title"/>
+          </p:nvPr>
+        </p:nvSpPr>
+        <p:spPr>
+          <a:xfrm>
+            <a:off x="7575885" y="681037"/>
+            <a:ext cx="10515600" cy="1325563"/>
+          </a:xfrm>
+        </p:spPr>
+        <p:txBody>
+          <a:bodyPr>
+            <a:normAutofit/>
+          </a:bodyPr>
+          <a:lstStyle/>
+          <a:p>
+            <a:r>
+              <a:rPr lang="pl-PL" sz="1800" dirty="0">
+                <a:solidFill>
+                  <a:srgbClr val="FF0000"/>
+                </a:solidFill>
+                <a:highlight>
+                  <a:srgbClr val="C0C0C0"/>
+                </a:highlight>
+              </a:rPr>
+              <a:t>The certificates </a:t>
+            </a:r>
+            <a:r>
+              <a:rPr lang="pl-PL" sz="1800" dirty="0" err="1">
+                <a:solidFill>
+                  <a:srgbClr val="FF0000"/>
+                </a:solidFill>
+                <a:highlight>
+                  <a:srgbClr val="C0C0C0"/>
+                </a:highlight>
+              </a:rPr>
+              <a:t>tab</a:t>
+            </a:r>
+            <a:r>
+              <a:rPr lang="pl-PL" sz="1800" dirty="0">
+                <a:solidFill>
+                  <a:srgbClr val="FF0000"/>
+                </a:solidFill>
+                <a:highlight>
+                  <a:srgbClr val="C0C0C0"/>
+                </a:highlight>
+              </a:rPr>
+              <a:t> </a:t>
+            </a:r>
+            <a:r>
+              <a:rPr lang="pl-PL" sz="1800" dirty="0" err="1">
+                <a:solidFill>
+                  <a:srgbClr val="FF0000"/>
+                </a:solidFill>
+                <a:highlight>
+                  <a:srgbClr val="C0C0C0"/>
+                </a:highlight>
+              </a:rPr>
+              <a:t>displays</a:t>
+            </a:r>
+            <a:r>
+              <a:rPr lang="pl-PL" sz="1800" dirty="0">
+                <a:solidFill>
+                  <a:srgbClr val="FF0000"/>
+                </a:solidFill>
+                <a:highlight>
+                  <a:srgbClr val="C0C0C0"/>
+                </a:highlight>
+              </a:rPr>
+              <a:t> certificates</a:t>
+            </a:r>
+          </a:p>
+        </p:txBody>
+      </p:sp>
+    </p:spTree>
+    <p:extLst>
+      <p:ext uri="{BB962C8B-B14F-4D97-AF65-F5344CB8AC3E}">
+        <p14:creationId xmlns:p14="http://schemas.microsoft.com/office/powerpoint/2010/main" val="4038884209"/>
       </p:ext>
     </p:extLst>
   </p:cSld>
